--- a/PPTs/L5-Exercises.pptx
+++ b/PPTs/L5-Exercises.pptx
@@ -5,16 +5,20 @@
     <p:sldMasterId id="2147483648" r:id="rId1"/>
   </p:sldMasterIdLst>
   <p:notesMasterIdLst>
-    <p:notesMasterId r:id="rId6"/>
+    <p:notesMasterId r:id="rId10"/>
   </p:notesMasterIdLst>
   <p:handoutMasterIdLst>
-    <p:handoutMasterId r:id="rId7"/>
+    <p:handoutMasterId r:id="rId11"/>
   </p:handoutMasterIdLst>
   <p:sldIdLst>
     <p:sldId id="256" r:id="rId2"/>
-    <p:sldId id="1493" r:id="rId3"/>
-    <p:sldId id="1488" r:id="rId4"/>
-    <p:sldId id="1497" r:id="rId5"/>
+    <p:sldId id="1500" r:id="rId3"/>
+    <p:sldId id="1493" r:id="rId4"/>
+    <p:sldId id="1488" r:id="rId5"/>
+    <p:sldId id="1497" r:id="rId6"/>
+    <p:sldId id="1507" r:id="rId7"/>
+    <p:sldId id="1502" r:id="rId8"/>
+    <p:sldId id="1504" r:id="rId9"/>
   </p:sldIdLst>
   <p:sldSz cx="12192000" cy="6858000"/>
   <p:notesSz cx="9601200" cy="7315200"/>
@@ -211,14 +215,14 @@
           <a:effectLst/>
           <a:extLst>
             <a:ext uri="{909E8E84-426E-40dd-AFC4-6F175D3DCCD1}">
-              <a14:hiddenFill xmlns:a14="http://schemas.microsoft.com/office/drawing/2010/main" xmlns="">
+              <a14:hiddenFill xmlns="" xmlns:a14="http://schemas.microsoft.com/office/drawing/2010/main">
                 <a:solidFill>
                   <a:schemeClr val="bg1"/>
                 </a:solidFill>
               </a14:hiddenFill>
             </a:ext>
             <a:ext uri="{91240B29-F687-4f45-9708-019B960494DF}">
-              <a14:hiddenLine xmlns:a14="http://schemas.microsoft.com/office/drawing/2010/main" xmlns="" w="12700">
+              <a14:hiddenLine xmlns="" xmlns:a14="http://schemas.microsoft.com/office/drawing/2010/main" w="12700">
                 <a:pattFill prst="narHorz">
                   <a:fgClr>
                     <a:schemeClr val="tx1"/>
@@ -233,7 +237,7 @@
               </a14:hiddenLine>
             </a:ext>
             <a:ext uri="{AF507438-7753-43e0-B8FC-AC1667EBCBE1}">
-              <a14:hiddenEffects xmlns:a14="http://schemas.microsoft.com/office/drawing/2010/main" xmlns="">
+              <a14:hiddenEffects xmlns="" xmlns:a14="http://schemas.microsoft.com/office/drawing/2010/main">
                 <a:effectLst>
                   <a:outerShdw dist="35921" dir="2700000" algn="ctr" rotWithShape="0">
                     <a:schemeClr val="bg2"/>
@@ -339,14 +343,14 @@
           <a:effectLst/>
           <a:extLst>
             <a:ext uri="{909E8E84-426E-40dd-AFC4-6F175D3DCCD1}">
-              <a14:hiddenFill xmlns:a14="http://schemas.microsoft.com/office/drawing/2010/main" xmlns="">
+              <a14:hiddenFill xmlns="" xmlns:a14="http://schemas.microsoft.com/office/drawing/2010/main">
                 <a:solidFill>
                   <a:schemeClr val="bg1"/>
                 </a:solidFill>
               </a14:hiddenFill>
             </a:ext>
             <a:ext uri="{91240B29-F687-4f45-9708-019B960494DF}">
-              <a14:hiddenLine xmlns:a14="http://schemas.microsoft.com/office/drawing/2010/main" xmlns="" w="12700">
+              <a14:hiddenLine xmlns="" xmlns:a14="http://schemas.microsoft.com/office/drawing/2010/main" w="12700">
                 <a:pattFill prst="narHorz">
                   <a:fgClr>
                     <a:schemeClr val="tx1"/>
@@ -361,7 +365,7 @@
               </a14:hiddenLine>
             </a:ext>
             <a:ext uri="{AF507438-7753-43e0-B8FC-AC1667EBCBE1}">
-              <a14:hiddenEffects xmlns:a14="http://schemas.microsoft.com/office/drawing/2010/main" xmlns="">
+              <a14:hiddenEffects xmlns="" xmlns:a14="http://schemas.microsoft.com/office/drawing/2010/main">
                 <a:effectLst>
                   <a:outerShdw dist="35921" dir="2700000" algn="ctr" rotWithShape="0">
                     <a:schemeClr val="bg2"/>
@@ -429,17 +433,17 @@
           <a:effectLst/>
           <a:extLst>
             <a:ext uri="{FAA26D3D-D897-4be2-8F04-BA451C77F1D7}">
-              <ma14:placeholderFlag xmlns:ma14="http://schemas.microsoft.com/office/mac/drawingml/2011/main" xmlns="" val="1"/>
+              <ma14:placeholderFlag xmlns="" xmlns:ma14="http://schemas.microsoft.com/office/mac/drawingml/2011/main" val="1"/>
             </a:ext>
             <a:ext uri="{909E8E84-426E-40dd-AFC4-6F175D3DCCD1}">
-              <a14:hiddenFill xmlns:a14="http://schemas.microsoft.com/office/drawing/2010/main" xmlns="">
+              <a14:hiddenFill xmlns="" xmlns:a14="http://schemas.microsoft.com/office/drawing/2010/main">
                 <a:solidFill>
                   <a:srgbClr val="FFFFFF"/>
                 </a:solidFill>
               </a14:hiddenFill>
             </a:ext>
             <a:ext uri="{AF507438-7753-43e0-B8FC-AC1667EBCBE1}">
-              <a14:hiddenEffects xmlns:a14="http://schemas.microsoft.com/office/drawing/2010/main" xmlns="">
+              <a14:hiddenEffects xmlns="" xmlns:a14="http://schemas.microsoft.com/office/drawing/2010/main">
                 <a:effectLst>
                   <a:outerShdw blurRad="63500" dist="38099" dir="2700000" algn="ctr" rotWithShape="0">
                     <a:srgbClr val="000000">
@@ -450,7 +454,7 @@
               </a14:hiddenEffects>
             </a:ext>
             <a:ext uri="{53640926-AAD7-44d8-BBD7-CCE9431645EC}">
-              <a14:shadowObscured xmlns:a14="http://schemas.microsoft.com/office/drawing/2010/main" xmlns="" val="1"/>
+              <a14:shadowObscured xmlns="" xmlns:a14="http://schemas.microsoft.com/office/drawing/2010/main" val="1"/>
             </a:ext>
           </a:extLst>
         </p:spPr>
@@ -480,14 +484,14 @@
           <a:effectLst/>
           <a:extLst>
             <a:ext uri="{909E8E84-426E-40dd-AFC4-6F175D3DCCD1}">
-              <a14:hiddenFill xmlns:a14="http://schemas.microsoft.com/office/drawing/2010/main" xmlns="">
+              <a14:hiddenFill xmlns="" xmlns:a14="http://schemas.microsoft.com/office/drawing/2010/main">
                 <a:solidFill>
                   <a:schemeClr val="bg1"/>
                 </a:solidFill>
               </a14:hiddenFill>
             </a:ext>
             <a:ext uri="{91240B29-F687-4f45-9708-019B960494DF}">
-              <a14:hiddenLine xmlns:a14="http://schemas.microsoft.com/office/drawing/2010/main" xmlns="" w="12700">
+              <a14:hiddenLine xmlns="" xmlns:a14="http://schemas.microsoft.com/office/drawing/2010/main" w="12700">
                 <a:pattFill prst="narHorz">
                   <a:fgClr>
                     <a:schemeClr val="tx1"/>
@@ -502,7 +506,7 @@
               </a14:hiddenLine>
             </a:ext>
             <a:ext uri="{AF507438-7753-43e0-B8FC-AC1667EBCBE1}">
-              <a14:hiddenEffects xmlns:a14="http://schemas.microsoft.com/office/drawing/2010/main" xmlns="">
+              <a14:hiddenEffects xmlns="" xmlns:a14="http://schemas.microsoft.com/office/drawing/2010/main">
                 <a:effectLst>
                   <a:outerShdw dist="35921" dir="2700000" algn="ctr" rotWithShape="0">
                     <a:schemeClr val="bg2"/>
@@ -752,10 +756,10 @@
         <p:spPr>
           <a:extLst>
             <a:ext uri="{FAA26D3D-D897-4be2-8F04-BA451C77F1D7}">
-              <ma14:placeholderFlag xmlns:ma14="http://schemas.microsoft.com/office/mac/drawingml/2011/main" xmlns="" val="1"/>
+              <ma14:placeholderFlag xmlns="" xmlns:ma14="http://schemas.microsoft.com/office/mac/drawingml/2011/main" val="1"/>
             </a:ext>
             <a:ext uri="{AF507438-7753-43e0-B8FC-AC1667EBCBE1}">
-              <a14:hiddenEffects xmlns:a14="http://schemas.microsoft.com/office/drawing/2010/main" xmlns="">
+              <a14:hiddenEffects xmlns="" xmlns:a14="http://schemas.microsoft.com/office/drawing/2010/main">
                 <a:effectLst>
                   <a:outerShdw blurRad="63500" dist="38099" dir="2700000" algn="ctr" rotWithShape="0">
                     <a:schemeClr val="bg2">
@@ -2892,17 +2896,17 @@
           <a:effectLst/>
           <a:extLst>
             <a:ext uri="{FAA26D3D-D897-4be2-8F04-BA451C77F1D7}">
-              <ma14:placeholderFlag xmlns:ma14="http://schemas.microsoft.com/office/mac/drawingml/2011/main" xmlns="" val="1"/>
+              <ma14:placeholderFlag xmlns="" xmlns:ma14="http://schemas.microsoft.com/office/mac/drawingml/2011/main" val="1"/>
             </a:ext>
             <a:ext uri="{909E8E84-426E-40dd-AFC4-6F175D3DCCD1}">
-              <a14:hiddenFill xmlns:a14="http://schemas.microsoft.com/office/drawing/2010/main" xmlns="">
+              <a14:hiddenFill xmlns="" xmlns:a14="http://schemas.microsoft.com/office/drawing/2010/main">
                 <a:solidFill>
                   <a:schemeClr val="bg1"/>
                 </a:solidFill>
               </a14:hiddenFill>
             </a:ext>
             <a:ext uri="{91240B29-F687-4f45-9708-019B960494DF}">
-              <a14:hiddenLine xmlns:a14="http://schemas.microsoft.com/office/drawing/2010/main" xmlns="" w="12700">
+              <a14:hiddenLine xmlns="" xmlns:a14="http://schemas.microsoft.com/office/drawing/2010/main" w="12700">
                 <a:pattFill prst="narHorz">
                   <a:fgClr>
                     <a:schemeClr val="tx1"/>
@@ -2917,7 +2921,7 @@
               </a14:hiddenLine>
             </a:ext>
             <a:ext uri="{AF507438-7753-43e0-B8FC-AC1667EBCBE1}">
-              <a14:hiddenEffects xmlns:a14="http://schemas.microsoft.com/office/drawing/2010/main" xmlns="">
+              <a14:hiddenEffects xmlns="" xmlns:a14="http://schemas.microsoft.com/office/drawing/2010/main">
                 <a:effectLst>
                   <a:outerShdw blurRad="63500" dist="38099" dir="2700000" algn="ctr" rotWithShape="0">
                     <a:schemeClr val="bg2">
@@ -2970,17 +2974,17 @@
           <a:effectLst/>
           <a:extLst>
             <a:ext uri="{FAA26D3D-D897-4be2-8F04-BA451C77F1D7}">
-              <ma14:placeholderFlag xmlns:ma14="http://schemas.microsoft.com/office/mac/drawingml/2011/main" xmlns="" val="1"/>
+              <ma14:placeholderFlag xmlns="" xmlns:ma14="http://schemas.microsoft.com/office/mac/drawingml/2011/main" val="1"/>
             </a:ext>
             <a:ext uri="{909E8E84-426E-40dd-AFC4-6F175D3DCCD1}">
-              <a14:hiddenFill xmlns:a14="http://schemas.microsoft.com/office/drawing/2010/main" xmlns="">
+              <a14:hiddenFill xmlns="" xmlns:a14="http://schemas.microsoft.com/office/drawing/2010/main">
                 <a:solidFill>
                   <a:schemeClr val="bg1"/>
                 </a:solidFill>
               </a14:hiddenFill>
             </a:ext>
             <a:ext uri="{91240B29-F687-4f45-9708-019B960494DF}">
-              <a14:hiddenLine xmlns:a14="http://schemas.microsoft.com/office/drawing/2010/main" xmlns="" w="12700">
+              <a14:hiddenLine xmlns="" xmlns:a14="http://schemas.microsoft.com/office/drawing/2010/main" w="12700">
                 <a:pattFill prst="narHorz">
                   <a:fgClr>
                     <a:schemeClr val="tx1"/>
@@ -2995,7 +2999,7 @@
               </a14:hiddenLine>
             </a:ext>
             <a:ext uri="{AF507438-7753-43e0-B8FC-AC1667EBCBE1}">
-              <a14:hiddenEffects xmlns:a14="http://schemas.microsoft.com/office/drawing/2010/main" xmlns="">
+              <a14:hiddenEffects xmlns="" xmlns:a14="http://schemas.microsoft.com/office/drawing/2010/main">
                 <a:effectLst>
                   <a:outerShdw blurRad="63500" dist="38099" dir="2700000" algn="ctr" rotWithShape="0">
                     <a:schemeClr val="bg2">
@@ -3074,14 +3078,14 @@
           <a:effectLst/>
           <a:extLst>
             <a:ext uri="{909E8E84-426E-40dd-AFC4-6F175D3DCCD1}">
-              <a14:hiddenFill xmlns:a14="http://schemas.microsoft.com/office/drawing/2010/main" xmlns="">
+              <a14:hiddenFill xmlns="" xmlns:a14="http://schemas.microsoft.com/office/drawing/2010/main">
                 <a:solidFill>
                   <a:schemeClr val="bg1"/>
                 </a:solidFill>
               </a14:hiddenFill>
             </a:ext>
             <a:ext uri="{91240B29-F687-4f45-9708-019B960494DF}">
-              <a14:hiddenLine xmlns:a14="http://schemas.microsoft.com/office/drawing/2010/main" xmlns="" w="12700">
+              <a14:hiddenLine xmlns="" xmlns:a14="http://schemas.microsoft.com/office/drawing/2010/main" w="12700">
                 <a:pattFill prst="narHorz">
                   <a:fgClr>
                     <a:schemeClr val="tx1"/>
@@ -3096,7 +3100,7 @@
               </a14:hiddenLine>
             </a:ext>
             <a:ext uri="{AF507438-7753-43e0-B8FC-AC1667EBCBE1}">
-              <a14:hiddenEffects xmlns:a14="http://schemas.microsoft.com/office/drawing/2010/main" xmlns="">
+              <a14:hiddenEffects xmlns="" xmlns:a14="http://schemas.microsoft.com/office/drawing/2010/main">
                 <a:effectLst>
                   <a:outerShdw dist="35921" dir="2700000" algn="ctr" rotWithShape="0">
                     <a:schemeClr val="bg2"/>
@@ -3162,12 +3166,12 @@
           <a:effectLst/>
           <a:extLst>
             <a:ext uri="{909E8E84-426E-40dd-AFC4-6F175D3DCCD1}">
-              <a14:hiddenFill xmlns:a14="http://schemas.microsoft.com/office/drawing/2010/main" xmlns="">
+              <a14:hiddenFill xmlns="" xmlns:a14="http://schemas.microsoft.com/office/drawing/2010/main">
                 <a:noFill/>
               </a14:hiddenFill>
             </a:ext>
             <a:ext uri="{AF507438-7753-43e0-B8FC-AC1667EBCBE1}">
-              <a14:hiddenEffects xmlns:a14="http://schemas.microsoft.com/office/drawing/2010/main" xmlns="">
+              <a14:hiddenEffects xmlns="" xmlns:a14="http://schemas.microsoft.com/office/drawing/2010/main">
                 <a:effectLst>
                   <a:outerShdw blurRad="63500" dist="38099" dir="2700000" algn="ctr" rotWithShape="0">
                     <a:schemeClr val="bg2">
@@ -3725,8 +3729,16 @@
             </a:br>
             <a:r>
               <a:rPr lang="en-US" sz="3000" dirty="0"/>
-              <a:t>Scheduling Exercises</a:t>
-            </a:r>
+              <a:t>Scheduling</a:t>
+            </a:r>
+            <a:br>
+              <a:rPr lang="en-US" sz="3000"/>
+            </a:br>
+            <a:r>
+              <a:rPr lang="en-US" sz="3000"/>
+              <a:t>Exercises</a:t>
+            </a:r>
+            <a:endParaRPr lang="en-US" sz="3000" dirty="0"/>
           </a:p>
         </p:txBody>
       </p:sp>
@@ -3872,6 +3884,271 @@
           <p:cNvPr id="2" name="Title 1">
             <a:extLst>
               <a:ext uri="{FF2B5EF4-FFF2-40B4-BE49-F238E27FC236}">
+                <a16:creationId xmlns:a16="http://schemas.microsoft.com/office/drawing/2014/main" id="{F4C8165B-77B3-A766-647F-94728AAE698E}"/>
+              </a:ext>
+            </a:extLst>
+          </p:cNvPr>
+          <p:cNvSpPr>
+            <a:spLocks noGrp="1"/>
+          </p:cNvSpPr>
+          <p:nvPr>
+            <p:ph type="title"/>
+          </p:nvPr>
+        </p:nvSpPr>
+        <p:spPr/>
+        <p:txBody>
+          <a:bodyPr/>
+          <a:lstStyle/>
+          <a:p>
+            <a:r>
+              <a:rPr lang="en-GB" dirty="0"/>
+              <a:t>Predicting Burst Time</a:t>
+            </a:r>
+            <a:endParaRPr lang="en-SE" dirty="0"/>
+          </a:p>
+        </p:txBody>
+      </p:sp>
+      <p:sp>
+        <p:nvSpPr>
+          <p:cNvPr id="3" name="Content Placeholder 2">
+            <a:extLst>
+              <a:ext uri="{FF2B5EF4-FFF2-40B4-BE49-F238E27FC236}">
+                <a16:creationId xmlns:a16="http://schemas.microsoft.com/office/drawing/2014/main" id="{A568D32D-8A26-D01F-B9B1-DC028CCAB513}"/>
+              </a:ext>
+            </a:extLst>
+          </p:cNvPr>
+          <p:cNvSpPr>
+            <a:spLocks noGrp="1"/>
+          </p:cNvSpPr>
+          <p:nvPr>
+            <p:ph idx="1"/>
+          </p:nvPr>
+        </p:nvSpPr>
+        <p:spPr/>
+        <p:txBody>
+          <a:bodyPr>
+            <a:normAutofit/>
+          </a:bodyPr>
+          <a:lstStyle/>
+          <a:p>
+            <a:r>
+              <a:rPr lang="en-US" altLang="ko-KR" dirty="0"/>
+              <a:t>Use </a:t>
+            </a:r>
+            <a:r>
+              <a:rPr lang="en-US" altLang="ko-KR" sz="2800" dirty="0"/>
+              <a:t>exponential averaging  </a:t>
+            </a:r>
+            <a:r>
+              <a:rPr lang="en-US" altLang="ko-KR" sz="2800" dirty="0">
+                <a:sym typeface="Symbol" panose="05050102010706020507" pitchFamily="18" charset="2"/>
+              </a:rPr>
+              <a:t></a:t>
+            </a:r>
+            <a:r>
+              <a:rPr lang="en-US" altLang="ko-KR" sz="2800" baseline="-25000" dirty="0">
+                <a:sym typeface="Symbol" panose="05050102010706020507" pitchFamily="18" charset="2"/>
+              </a:rPr>
+              <a:t>n</a:t>
+            </a:r>
+            <a:r>
+              <a:rPr lang="en-US" altLang="ko-KR" sz="2800" dirty="0">
+                <a:sym typeface="Symbol" panose="05050102010706020507" pitchFamily="18" charset="2"/>
+              </a:rPr>
+              <a:t> = t</a:t>
+            </a:r>
+            <a:r>
+              <a:rPr lang="en-US" altLang="ko-KR" sz="2800" baseline="-25000" dirty="0">
+                <a:sym typeface="Symbol" panose="05050102010706020507" pitchFamily="18" charset="2"/>
+              </a:rPr>
+              <a:t>n-1</a:t>
+            </a:r>
+            <a:r>
+              <a:rPr lang="en-US" altLang="ko-KR" sz="2800" dirty="0">
+                <a:sym typeface="Symbol" panose="05050102010706020507" pitchFamily="18" charset="2"/>
+              </a:rPr>
+              <a:t>+(1-)</a:t>
+            </a:r>
+            <a:r>
+              <a:rPr lang="en-US" altLang="ko-KR" sz="2800" baseline="-25000" dirty="0">
+                <a:sym typeface="Symbol" panose="05050102010706020507" pitchFamily="18" charset="2"/>
+              </a:rPr>
+              <a:t>n-1</a:t>
+            </a:r>
+            <a:r>
+              <a:rPr lang="en-US" altLang="ko-KR" sz="2800" dirty="0">
+                <a:sym typeface="Symbol" panose="05050102010706020507" pitchFamily="18" charset="2"/>
+              </a:rPr>
+              <a:t> to predict the next burst time. Assume initial estimate </a:t>
+            </a:r>
+            <a:r>
+              <a:rPr lang="en-US" altLang="ko-KR" sz="2800" baseline="-25000" dirty="0">
+                <a:sym typeface="Symbol" panose="05050102010706020507" pitchFamily="18" charset="2"/>
+              </a:rPr>
+              <a:t>0</a:t>
+            </a:r>
+            <a:r>
+              <a:rPr lang="en-US" altLang="ko-KR" sz="2800" dirty="0">
+                <a:sym typeface="Symbol" panose="05050102010706020507" pitchFamily="18" charset="2"/>
+              </a:rPr>
+              <a:t> = 10, and the </a:t>
+            </a:r>
+            <a:r>
+              <a:rPr lang="en-GB" dirty="0"/>
+              <a:t>actual burst times of the first four processes </a:t>
+            </a:r>
+            <a:r>
+              <a:rPr lang="en-US" altLang="ko-KR" sz="2800" dirty="0">
+                <a:sym typeface="Symbol" panose="05050102010706020507" pitchFamily="18" charset="2"/>
+              </a:rPr>
+              <a:t>t</a:t>
+            </a:r>
+            <a:r>
+              <a:rPr lang="en-US" altLang="ko-KR" sz="2800" baseline="-25000" dirty="0">
+                <a:sym typeface="Symbol" panose="05050102010706020507" pitchFamily="18" charset="2"/>
+              </a:rPr>
+              <a:t>0</a:t>
+            </a:r>
+            <a:r>
+              <a:rPr lang="en-GB" dirty="0"/>
+              <a:t>, </a:t>
+            </a:r>
+            <a:r>
+              <a:rPr lang="en-US" altLang="ko-KR" sz="2800" dirty="0">
+                <a:sym typeface="Symbol" panose="05050102010706020507" pitchFamily="18" charset="2"/>
+              </a:rPr>
+              <a:t>t</a:t>
+            </a:r>
+            <a:r>
+              <a:rPr lang="en-US" altLang="ko-KR" sz="2800" baseline="-25000" dirty="0">
+                <a:sym typeface="Symbol" panose="05050102010706020507" pitchFamily="18" charset="2"/>
+              </a:rPr>
+              <a:t>1</a:t>
+            </a:r>
+            <a:r>
+              <a:rPr lang="en-GB" dirty="0"/>
+              <a:t>, </a:t>
+            </a:r>
+            <a:r>
+              <a:rPr lang="en-US" altLang="ko-KR" sz="2800" dirty="0">
+                <a:sym typeface="Symbol" panose="05050102010706020507" pitchFamily="18" charset="2"/>
+              </a:rPr>
+              <a:t>t</a:t>
+            </a:r>
+            <a:r>
+              <a:rPr lang="en-US" altLang="ko-KR" sz="2800" baseline="-25000" dirty="0">
+                <a:sym typeface="Symbol" panose="05050102010706020507" pitchFamily="18" charset="2"/>
+              </a:rPr>
+              <a:t>2</a:t>
+            </a:r>
+            <a:r>
+              <a:rPr lang="en-GB" dirty="0"/>
+              <a:t>, </a:t>
+            </a:r>
+            <a:r>
+              <a:rPr lang="en-US" altLang="ko-KR" sz="2800" dirty="0">
+                <a:sym typeface="Symbol" panose="05050102010706020507" pitchFamily="18" charset="2"/>
+              </a:rPr>
+              <a:t>t</a:t>
+            </a:r>
+            <a:r>
+              <a:rPr lang="en-US" altLang="ko-KR" sz="2800" baseline="-25000" dirty="0">
+                <a:sym typeface="Symbol" panose="05050102010706020507" pitchFamily="18" charset="2"/>
+              </a:rPr>
+              <a:t>3</a:t>
+            </a:r>
+            <a:r>
+              <a:rPr lang="en-GB" dirty="0"/>
+              <a:t> are 4, 8, 6 and 7, respectively. Given α = 0.5. Compute the predicted burst times </a:t>
+            </a:r>
+            <a:r>
+              <a:rPr lang="en-US" altLang="ko-KR" sz="2800" dirty="0">
+                <a:sym typeface="Symbol" panose="05050102010706020507" pitchFamily="18" charset="2"/>
+              </a:rPr>
+              <a:t></a:t>
+            </a:r>
+            <a:r>
+              <a:rPr lang="en-US" altLang="ko-KR" sz="2800" baseline="-25000" dirty="0">
+                <a:sym typeface="Symbol" panose="05050102010706020507" pitchFamily="18" charset="2"/>
+              </a:rPr>
+              <a:t>1</a:t>
+            </a:r>
+            <a:r>
+              <a:rPr lang="en-US" altLang="ko-KR" sz="2800" dirty="0">
+                <a:sym typeface="Symbol" panose="05050102010706020507" pitchFamily="18" charset="2"/>
+              </a:rPr>
+              <a:t>, </a:t>
+            </a:r>
+            <a:r>
+              <a:rPr lang="en-US" altLang="ko-KR" sz="2800" baseline="-25000" dirty="0">
+                <a:sym typeface="Symbol" panose="05050102010706020507" pitchFamily="18" charset="2"/>
+              </a:rPr>
+              <a:t>2</a:t>
+            </a:r>
+            <a:r>
+              <a:rPr lang="en-US" altLang="ko-KR" sz="2800" dirty="0">
+                <a:sym typeface="Symbol" panose="05050102010706020507" pitchFamily="18" charset="2"/>
+              </a:rPr>
+              <a:t>, </a:t>
+            </a:r>
+            <a:r>
+              <a:rPr lang="en-US" altLang="ko-KR" sz="2800" baseline="-25000" dirty="0">
+                <a:sym typeface="Symbol" panose="05050102010706020507" pitchFamily="18" charset="2"/>
+              </a:rPr>
+              <a:t>3</a:t>
+            </a:r>
+            <a:r>
+              <a:rPr lang="en-US" altLang="ko-KR" sz="2800" dirty="0">
+                <a:sym typeface="Symbol" panose="05050102010706020507" pitchFamily="18" charset="2"/>
+              </a:rPr>
+              <a:t>, </a:t>
+            </a:r>
+            <a:r>
+              <a:rPr lang="en-US" altLang="ko-KR" sz="2800" baseline="-25000" dirty="0">
+                <a:sym typeface="Symbol" panose="05050102010706020507" pitchFamily="18" charset="2"/>
+              </a:rPr>
+              <a:t>4. </a:t>
+            </a:r>
+            <a:endParaRPr lang="en-GB" dirty="0"/>
+          </a:p>
+        </p:txBody>
+      </p:sp>
+    </p:spTree>
+    <p:extLst>
+      <p:ext uri="{BB962C8B-B14F-4D97-AF65-F5344CB8AC3E}">
+        <p14:creationId xmlns:p14="http://schemas.microsoft.com/office/powerpoint/2010/main" val="1830605874"/>
+      </p:ext>
+    </p:extLst>
+  </p:cSld>
+  <p:clrMapOvr>
+    <a:masterClrMapping/>
+  </p:clrMapOvr>
+  <p:transition/>
+</p:sld>
+</file>
+
+<file path=ppt/slides/slide3.xml><?xml version="1.0" encoding="utf-8"?>
+<p:sld xmlns:a="http://schemas.openxmlformats.org/drawingml/2006/main" xmlns:r="http://schemas.openxmlformats.org/officeDocument/2006/relationships" xmlns:p="http://schemas.openxmlformats.org/presentationml/2006/main">
+  <p:cSld>
+    <p:spTree>
+      <p:nvGrpSpPr>
+        <p:cNvPr id="1" name=""/>
+        <p:cNvGrpSpPr/>
+        <p:nvPr/>
+      </p:nvGrpSpPr>
+      <p:grpSpPr>
+        <a:xfrm>
+          <a:off x="0" y="0"/>
+          <a:ext cx="0" cy="0"/>
+          <a:chOff x="0" y="0"/>
+          <a:chExt cx="0" cy="0"/>
+        </a:xfrm>
+      </p:grpSpPr>
+      <p:sp>
+        <p:nvSpPr>
+          <p:cNvPr id="2" name="Title 1">
+            <a:extLst>
+              <a:ext uri="{FF2B5EF4-FFF2-40B4-BE49-F238E27FC236}">
                 <a16:creationId xmlns:a16="http://schemas.microsoft.com/office/drawing/2014/main" id="{D4A8BE6B-0C65-5110-8483-EE9E77544F77}"/>
               </a:ext>
             </a:extLst>
@@ -3927,7 +4204,15 @@
           <a:p>
             <a:r>
               <a:rPr lang="en-GB" dirty="0"/>
-              <a:t>1) Fill in the scheduling table with the Process ID (PID) that runs at each time instant, under 4 policies: First Come First Serve (FCFS), Shortest Job First (SJF), Shortest-Remaining-Time-First (SRTF), Round-Robin (RR) with </a:t>
+              <a:t>1) </a:t>
+            </a:r>
+            <a:r>
+              <a:rPr lang="en-US" altLang="zh-CN" dirty="0"/>
+              <a:t>Draw the Gantt chart </a:t>
+            </a:r>
+            <a:r>
+              <a:rPr lang="en-GB" dirty="0"/>
+              <a:t>under 4 policies: First Come First Serve (FCFS), Shortest Job First (SJF), Shortest-Remaining-Time-First (SRTF), Round-Robin (RR) with </a:t>
             </a:r>
             <a:r>
               <a:rPr lang="en-GB" dirty="0" err="1"/>
@@ -3960,7 +4245,7 @@
 </p:sld>
 </file>
 
-<file path=ppt/slides/slide3.xml><?xml version="1.0" encoding="utf-8"?>
+<file path=ppt/slides/slide4.xml><?xml version="1.0" encoding="utf-8"?>
 <p:sld xmlns:a="http://schemas.openxmlformats.org/drawingml/2006/main" xmlns:r="http://schemas.openxmlformats.org/officeDocument/2006/relationships" xmlns:p="http://schemas.openxmlformats.org/presentationml/2006/main">
   <p:cSld>
     <p:spTree>
@@ -5390,7 +5675,7 @@
         <p:spPr>
           <a:xfrm>
             <a:off x="4942626" y="7629372"/>
-            <a:ext cx="1095172" cy="369332"/>
+            <a:ext cx="1031051" cy="369332"/>
           </a:xfrm>
           <a:prstGeom prst="rect">
             <a:avLst/>
@@ -5420,7 +5705,7 @@
                 <a:ea typeface="黑体" panose="02010609060101010101" pitchFamily="49" charset="-122"/>
                 <a:cs typeface="+mn-cs"/>
               </a:rPr>
-              <a:t>B arrives</a:t>
+              <a:t>B arrival</a:t>
             </a:r>
             <a:endParaRPr lang="en-US" b="0" dirty="0">
               <a:solidFill>
@@ -5448,7 +5733,7 @@
         <p:spPr>
           <a:xfrm>
             <a:off x="5944367" y="7629372"/>
-            <a:ext cx="1107996" cy="369332"/>
+            <a:ext cx="1043876" cy="369332"/>
           </a:xfrm>
           <a:prstGeom prst="rect">
             <a:avLst/>
@@ -5478,7 +5763,7 @@
                 <a:ea typeface="黑体" panose="02010609060101010101" pitchFamily="49" charset="-122"/>
                 <a:cs typeface="+mn-cs"/>
               </a:rPr>
-              <a:t>C arrives</a:t>
+              <a:t>C arrival</a:t>
             </a:r>
             <a:endParaRPr lang="en-US" b="0" dirty="0">
               <a:solidFill>
@@ -6596,7 +6881,7 @@
 </p:sld>
 </file>
 
-<file path=ppt/slides/slide4.xml><?xml version="1.0" encoding="utf-8"?>
+<file path=ppt/slides/slide5.xml><?xml version="1.0" encoding="utf-8"?>
 <p:sld xmlns:a="http://schemas.openxmlformats.org/drawingml/2006/main" xmlns:r="http://schemas.openxmlformats.org/officeDocument/2006/relationships" xmlns:p="http://schemas.openxmlformats.org/presentationml/2006/main">
   <p:cSld>
     <p:spTree>
@@ -6641,7 +6926,7 @@
           <a:lstStyle/>
           <a:p>
             <a:r>
-              <a:rPr lang="en-US"/>
+              <a:rPr lang="en-US" dirty="0"/>
               <a:t>Scheduling II</a:t>
             </a:r>
             <a:endParaRPr lang="en-SE" dirty="0"/>
@@ -8199,7 +8484,7 @@
         <p:spPr>
           <a:xfrm>
             <a:off x="4942626" y="7629372"/>
-            <a:ext cx="1095172" cy="369332"/>
+            <a:ext cx="1031051" cy="369332"/>
           </a:xfrm>
           <a:prstGeom prst="rect">
             <a:avLst/>
@@ -8229,7 +8514,7 @@
                 <a:ea typeface="黑体" panose="02010609060101010101" pitchFamily="49" charset="-122"/>
                 <a:cs typeface="+mn-cs"/>
               </a:rPr>
-              <a:t>B arrives</a:t>
+              <a:t>B arrival</a:t>
             </a:r>
             <a:endParaRPr lang="en-US" b="0" dirty="0">
               <a:solidFill>
@@ -8257,7 +8542,7 @@
         <p:spPr>
           <a:xfrm>
             <a:off x="5944367" y="7629372"/>
-            <a:ext cx="1107996" cy="369332"/>
+            <a:ext cx="1043876" cy="369332"/>
           </a:xfrm>
           <a:prstGeom prst="rect">
             <a:avLst/>
@@ -8287,7 +8572,7 @@
                 <a:ea typeface="黑体" panose="02010609060101010101" pitchFamily="49" charset="-122"/>
                 <a:cs typeface="+mn-cs"/>
               </a:rPr>
-              <a:t>C arrives</a:t>
+              <a:t>C arrival</a:t>
             </a:r>
             <a:endParaRPr lang="en-US" b="0" dirty="0">
               <a:solidFill>
@@ -9536,6 +9821,2510 @@
       <p:bldP spid="42" grpId="0"/>
     </p:bldLst>
   </p:timing>
+</p:sld>
+</file>
+
+<file path=ppt/slides/slide6.xml><?xml version="1.0" encoding="utf-8"?>
+<p:sld xmlns:a="http://schemas.openxmlformats.org/drawingml/2006/main" xmlns:r="http://schemas.openxmlformats.org/officeDocument/2006/relationships" xmlns:p="http://schemas.openxmlformats.org/presentationml/2006/main">
+  <p:cSld>
+    <p:spTree>
+      <p:nvGrpSpPr>
+        <p:cNvPr id="1" name=""/>
+        <p:cNvGrpSpPr/>
+        <p:nvPr/>
+      </p:nvGrpSpPr>
+      <p:grpSpPr>
+        <a:xfrm>
+          <a:off x="0" y="0"/>
+          <a:ext cx="0" cy="0"/>
+          <a:chOff x="0" y="0"/>
+          <a:chExt cx="0" cy="0"/>
+        </a:xfrm>
+      </p:grpSpPr>
+      <p:sp>
+        <p:nvSpPr>
+          <p:cNvPr id="2" name="Title 1">
+            <a:extLst>
+              <a:ext uri="{FF2B5EF4-FFF2-40B4-BE49-F238E27FC236}">
+                <a16:creationId xmlns:a16="http://schemas.microsoft.com/office/drawing/2014/main" id="{D2418C39-8001-A5C8-A334-B92A4C4C6AC3}"/>
+              </a:ext>
+            </a:extLst>
+          </p:cNvPr>
+          <p:cNvSpPr>
+            <a:spLocks noGrp="1"/>
+          </p:cNvSpPr>
+          <p:nvPr>
+            <p:ph type="title"/>
+          </p:nvPr>
+        </p:nvSpPr>
+        <p:spPr/>
+        <p:txBody>
+          <a:bodyPr/>
+          <a:lstStyle/>
+          <a:p>
+            <a:r>
+              <a:rPr lang="en-US" dirty="0"/>
+              <a:t>Scheduling III</a:t>
+            </a:r>
+            <a:endParaRPr lang="en-SE" dirty="0"/>
+          </a:p>
+        </p:txBody>
+      </p:sp>
+      <p:sp>
+        <p:nvSpPr>
+          <p:cNvPr id="4" name="Content Placeholder 2">
+            <a:extLst>
+              <a:ext uri="{FF2B5EF4-FFF2-40B4-BE49-F238E27FC236}">
+                <a16:creationId xmlns:a16="http://schemas.microsoft.com/office/drawing/2014/main" id="{0FEE6DBB-E87F-2753-724E-EFAE1A33AED2}"/>
+              </a:ext>
+            </a:extLst>
+          </p:cNvPr>
+          <p:cNvSpPr>
+            <a:spLocks noGrp="1"/>
+          </p:cNvSpPr>
+          <p:nvPr>
+            <p:ph idx="1"/>
+          </p:nvPr>
+        </p:nvSpPr>
+        <p:spPr>
+          <a:xfrm>
+            <a:off x="812800" y="914400"/>
+            <a:ext cx="10566400" cy="5105400"/>
+          </a:xfrm>
+        </p:spPr>
+        <p:txBody>
+          <a:bodyPr/>
+          <a:lstStyle/>
+          <a:p>
+            <a:r>
+              <a:rPr lang="en-GB" dirty="0"/>
+              <a:t>Consider the set of 3 processes whose arrival time and CPU/IO burst times are given below. If the CPU scheduling policy is </a:t>
+            </a:r>
+            <a:r>
+              <a:rPr lang="en-GB" b="1" dirty="0"/>
+              <a:t>FCFS</a:t>
+            </a:r>
+            <a:r>
+              <a:rPr lang="en-GB" dirty="0"/>
+              <a:t>, draw the Gantt chart and calculate the average response time. </a:t>
+            </a:r>
+            <a:endParaRPr lang="en-SE" dirty="0"/>
+          </a:p>
+        </p:txBody>
+      </p:sp>
+      <p:graphicFrame>
+        <p:nvGraphicFramePr>
+          <p:cNvPr id="5" name="表格 6">
+            <a:extLst>
+              <a:ext uri="{FF2B5EF4-FFF2-40B4-BE49-F238E27FC236}">
+                <a16:creationId xmlns:a16="http://schemas.microsoft.com/office/drawing/2014/main" id="{AC95CE60-07E0-6F78-BBA8-98CD8A3140D2}"/>
+              </a:ext>
+            </a:extLst>
+          </p:cNvPr>
+          <p:cNvGraphicFramePr>
+            <a:graphicFrameLocks noGrp="1"/>
+          </p:cNvGraphicFramePr>
+          <p:nvPr/>
+        </p:nvGraphicFramePr>
+        <p:xfrm>
+          <a:off x="4191000" y="2362200"/>
+          <a:ext cx="4057622" cy="2377440"/>
+        </p:xfrm>
+        <a:graphic>
+          <a:graphicData uri="http://schemas.openxmlformats.org/drawingml/2006/table">
+            <a:tbl>
+              <a:tblPr firstRow="1" bandRow="1">
+                <a:tableStyleId>{5C22544A-7EE6-4342-B048-85BDC9FD1C3A}</a:tableStyleId>
+              </a:tblPr>
+              <a:tblGrid>
+                <a:gridCol w="320287">
+                  <a:extLst>
+                    <a:ext uri="{9D8B030D-6E8A-4147-A177-3AD203B41FA5}">
+                      <a16:colId xmlns:a16="http://schemas.microsoft.com/office/drawing/2014/main" val="3897766631"/>
+                    </a:ext>
+                  </a:extLst>
+                </a:gridCol>
+                <a:gridCol w="814309">
+                  <a:extLst>
+                    <a:ext uri="{9D8B030D-6E8A-4147-A177-3AD203B41FA5}">
+                      <a16:colId xmlns:a16="http://schemas.microsoft.com/office/drawing/2014/main" val="3850674632"/>
+                    </a:ext>
+                  </a:extLst>
+                </a:gridCol>
+                <a:gridCol w="778832">
+                  <a:extLst>
+                    <a:ext uri="{9D8B030D-6E8A-4147-A177-3AD203B41FA5}">
+                      <a16:colId xmlns:a16="http://schemas.microsoft.com/office/drawing/2014/main" val="3839086762"/>
+                    </a:ext>
+                  </a:extLst>
+                </a:gridCol>
+                <a:gridCol w="1072097">
+                  <a:extLst>
+                    <a:ext uri="{9D8B030D-6E8A-4147-A177-3AD203B41FA5}">
+                      <a16:colId xmlns:a16="http://schemas.microsoft.com/office/drawing/2014/main" val="3306942541"/>
+                    </a:ext>
+                  </a:extLst>
+                </a:gridCol>
+                <a:gridCol w="1072097">
+                  <a:extLst>
+                    <a:ext uri="{9D8B030D-6E8A-4147-A177-3AD203B41FA5}">
+                      <a16:colId xmlns:a16="http://schemas.microsoft.com/office/drawing/2014/main" val="3517187588"/>
+                    </a:ext>
+                  </a:extLst>
+                </a:gridCol>
+              </a:tblGrid>
+              <a:tr h="875830">
+                <a:tc>
+                  <a:txBody>
+                    <a:bodyPr/>
+                    <a:lstStyle/>
+                    <a:p>
+                      <a:pPr algn="r"/>
+                      <a:r>
+                        <a:rPr lang="en-US" b="0" dirty="0">
+                          <a:solidFill>
+                            <a:schemeClr val="tx1"/>
+                          </a:solidFill>
+                        </a:rPr>
+                        <a:t>PID</a:t>
+                      </a:r>
+                    </a:p>
+                  </a:txBody>
+                  <a:tcPr/>
+                </a:tc>
+                <a:tc>
+                  <a:txBody>
+                    <a:bodyPr/>
+                    <a:lstStyle/>
+                    <a:p>
+                      <a:pPr algn="r"/>
+                      <a:r>
+                        <a:rPr lang="en-US" altLang="zh-CN" b="0" dirty="0" err="1">
+                          <a:solidFill>
+                            <a:schemeClr val="tx1"/>
+                          </a:solidFill>
+                        </a:rPr>
+                        <a:t>Arriv</a:t>
+                      </a:r>
+                      <a:r>
+                        <a:rPr lang="en-US" altLang="zh-CN" b="0" dirty="0">
+                          <a:solidFill>
+                            <a:schemeClr val="tx1"/>
+                          </a:solidFill>
+                        </a:rPr>
+                        <a:t>.</a:t>
+                      </a:r>
+                      <a:r>
+                        <a:rPr lang="zh-CN" altLang="en-US" b="0" dirty="0">
+                          <a:solidFill>
+                            <a:schemeClr val="tx1"/>
+                          </a:solidFill>
+                        </a:rPr>
+                        <a:t> </a:t>
+                      </a:r>
+                      <a:r>
+                        <a:rPr lang="en-US" altLang="zh-CN" b="0" dirty="0">
+                          <a:solidFill>
+                            <a:schemeClr val="tx1"/>
+                          </a:solidFill>
+                        </a:rPr>
+                        <a:t>time</a:t>
+                      </a:r>
+                      <a:endParaRPr lang="en-US" b="0" dirty="0">
+                        <a:solidFill>
+                          <a:schemeClr val="tx1"/>
+                        </a:solidFill>
+                      </a:endParaRPr>
+                    </a:p>
+                  </a:txBody>
+                  <a:tcPr/>
+                </a:tc>
+                <a:tc>
+                  <a:txBody>
+                    <a:bodyPr/>
+                    <a:lstStyle/>
+                    <a:p>
+                      <a:pPr algn="r"/>
+                      <a:r>
+                        <a:rPr lang="en-GB" altLang="zh-CN" b="0" dirty="0">
+                          <a:solidFill>
+                            <a:schemeClr val="tx1"/>
+                          </a:solidFill>
+                        </a:rPr>
+                        <a:t>Exec Time</a:t>
+                      </a:r>
+                      <a:endParaRPr lang="en-US" b="0" dirty="0">
+                        <a:solidFill>
+                          <a:schemeClr val="tx1"/>
+                        </a:solidFill>
+                      </a:endParaRPr>
+                    </a:p>
+                  </a:txBody>
+                  <a:tcPr/>
+                </a:tc>
+                <a:tc>
+                  <a:txBody>
+                    <a:bodyPr/>
+                    <a:lstStyle/>
+                    <a:p>
+                      <a:pPr algn="r"/>
+                      <a:r>
+                        <a:rPr lang="en-US" altLang="zh-CN" b="0" dirty="0">
+                          <a:solidFill>
+                            <a:schemeClr val="tx1"/>
+                          </a:solidFill>
+                        </a:rPr>
+                        <a:t>FCFS</a:t>
+                      </a:r>
+                    </a:p>
+                    <a:p>
+                      <a:pPr algn="r"/>
+                      <a:r>
+                        <a:rPr lang="en-US" altLang="zh-CN" b="0" dirty="0">
+                          <a:solidFill>
+                            <a:schemeClr val="tx1"/>
+                          </a:solidFill>
+                        </a:rPr>
+                        <a:t>Finish</a:t>
+                      </a:r>
+                      <a:r>
+                        <a:rPr lang="zh-CN" altLang="en-US" b="0" dirty="0">
+                          <a:solidFill>
+                            <a:schemeClr val="tx1"/>
+                          </a:solidFill>
+                        </a:rPr>
+                        <a:t> </a:t>
+                      </a:r>
+                      <a:r>
+                        <a:rPr lang="en-US" altLang="zh-CN" b="0" dirty="0">
+                          <a:solidFill>
+                            <a:schemeClr val="tx1"/>
+                          </a:solidFill>
+                        </a:rPr>
+                        <a:t>Time</a:t>
+                      </a:r>
+                      <a:endParaRPr lang="en-US" b="0" dirty="0">
+                        <a:solidFill>
+                          <a:schemeClr val="tx1"/>
+                        </a:solidFill>
+                      </a:endParaRPr>
+                    </a:p>
+                  </a:txBody>
+                  <a:tcPr/>
+                </a:tc>
+                <a:tc>
+                  <a:txBody>
+                    <a:bodyPr/>
+                    <a:lstStyle/>
+                    <a:p>
+                      <a:pPr algn="r"/>
+                      <a:r>
+                        <a:rPr lang="en-US" altLang="zh-CN" b="0" dirty="0">
+                          <a:solidFill>
+                            <a:schemeClr val="tx1"/>
+                          </a:solidFill>
+                        </a:rPr>
+                        <a:t>FCFS</a:t>
+                      </a:r>
+                    </a:p>
+                    <a:p>
+                      <a:pPr algn="r"/>
+                      <a:r>
+                        <a:rPr lang="en-US" altLang="zh-CN" b="0" dirty="0">
+                          <a:solidFill>
+                            <a:schemeClr val="tx1"/>
+                          </a:solidFill>
+                        </a:rPr>
+                        <a:t>Response</a:t>
+                      </a:r>
+                      <a:r>
+                        <a:rPr lang="zh-CN" altLang="en-US" b="0" dirty="0">
+                          <a:solidFill>
+                            <a:schemeClr val="tx1"/>
+                          </a:solidFill>
+                        </a:rPr>
+                        <a:t> </a:t>
+                      </a:r>
+                      <a:r>
+                        <a:rPr lang="en-US" altLang="zh-CN" b="0" dirty="0">
+                          <a:solidFill>
+                            <a:schemeClr val="tx1"/>
+                          </a:solidFill>
+                        </a:rPr>
+                        <a:t>Time</a:t>
+                      </a:r>
+                      <a:endParaRPr lang="en-US" b="0" dirty="0">
+                        <a:solidFill>
+                          <a:schemeClr val="tx1"/>
+                        </a:solidFill>
+                      </a:endParaRPr>
+                    </a:p>
+                  </a:txBody>
+                  <a:tcPr marL="45720" marR="45720"/>
+                </a:tc>
+                <a:extLst>
+                  <a:ext uri="{0D108BD9-81ED-4DB2-BD59-A6C34878D82A}">
+                    <a16:rowId xmlns:a16="http://schemas.microsoft.com/office/drawing/2014/main" val="3141622018"/>
+                  </a:ext>
+                </a:extLst>
+              </a:tr>
+              <a:tr h="0">
+                <a:tc>
+                  <a:txBody>
+                    <a:bodyPr/>
+                    <a:lstStyle/>
+                    <a:p>
+                      <a:pPr algn="r"/>
+                      <a:r>
+                        <a:rPr lang="en-US" altLang="zh-CN" dirty="0">
+                          <a:solidFill>
+                            <a:schemeClr val="tx1"/>
+                          </a:solidFill>
+                        </a:rPr>
+                        <a:t>1</a:t>
+                      </a:r>
+                      <a:endParaRPr lang="en-US" dirty="0">
+                        <a:solidFill>
+                          <a:schemeClr val="tx1"/>
+                        </a:solidFill>
+                      </a:endParaRPr>
+                    </a:p>
+                  </a:txBody>
+                  <a:tcPr/>
+                </a:tc>
+                <a:tc>
+                  <a:txBody>
+                    <a:bodyPr/>
+                    <a:lstStyle/>
+                    <a:p>
+                      <a:pPr algn="r"/>
+                      <a:r>
+                        <a:rPr lang="en-US" altLang="zh-CN" dirty="0">
+                          <a:solidFill>
+                            <a:schemeClr val="tx1"/>
+                          </a:solidFill>
+                        </a:rPr>
+                        <a:t>0</a:t>
+                      </a:r>
+                      <a:endParaRPr lang="en-US" dirty="0">
+                        <a:solidFill>
+                          <a:schemeClr val="tx1"/>
+                        </a:solidFill>
+                      </a:endParaRPr>
+                    </a:p>
+                  </a:txBody>
+                  <a:tcPr/>
+                </a:tc>
+                <a:tc>
+                  <a:txBody>
+                    <a:bodyPr/>
+                    <a:lstStyle/>
+                    <a:p>
+                      <a:pPr algn="r"/>
+                      <a:r>
+                        <a:rPr lang="en-US" altLang="zh-CN" strike="noStrike" dirty="0">
+                          <a:solidFill>
+                            <a:schemeClr val="tx1"/>
+                          </a:solidFill>
+                        </a:rPr>
+                        <a:t>2</a:t>
+                      </a:r>
+                      <a:endParaRPr lang="en-US" strike="noStrike" dirty="0">
+                        <a:solidFill>
+                          <a:schemeClr val="tx1"/>
+                        </a:solidFill>
+                      </a:endParaRPr>
+                    </a:p>
+                  </a:txBody>
+                  <a:tcPr/>
+                </a:tc>
+                <a:tc>
+                  <a:txBody>
+                    <a:bodyPr/>
+                    <a:lstStyle/>
+                    <a:p>
+                      <a:pPr algn="r"/>
+                      <a:endParaRPr lang="en-US" dirty="0">
+                        <a:solidFill>
+                          <a:schemeClr val="tx1"/>
+                        </a:solidFill>
+                      </a:endParaRPr>
+                    </a:p>
+                  </a:txBody>
+                  <a:tcPr/>
+                </a:tc>
+                <a:tc>
+                  <a:txBody>
+                    <a:bodyPr/>
+                    <a:lstStyle/>
+                    <a:p>
+                      <a:pPr algn="r"/>
+                      <a:endParaRPr lang="en-US" dirty="0">
+                        <a:solidFill>
+                          <a:schemeClr val="tx1"/>
+                        </a:solidFill>
+                      </a:endParaRPr>
+                    </a:p>
+                  </a:txBody>
+                  <a:tcPr/>
+                </a:tc>
+                <a:extLst>
+                  <a:ext uri="{0D108BD9-81ED-4DB2-BD59-A6C34878D82A}">
+                    <a16:rowId xmlns:a16="http://schemas.microsoft.com/office/drawing/2014/main" val="2311278232"/>
+                  </a:ext>
+                </a:extLst>
+              </a:tr>
+              <a:tr h="0">
+                <a:tc>
+                  <a:txBody>
+                    <a:bodyPr/>
+                    <a:lstStyle/>
+                    <a:p>
+                      <a:pPr marL="0" marR="0" lvl="0" indent="0" algn="r" defTabSz="914400" rtl="0" eaLnBrk="1" fontAlgn="auto" latinLnBrk="0" hangingPunct="1">
+                        <a:lnSpc>
+                          <a:spcPct val="100000"/>
+                        </a:lnSpc>
+                        <a:spcBef>
+                          <a:spcPts val="0"/>
+                        </a:spcBef>
+                        <a:spcAft>
+                          <a:spcPts val="0"/>
+                        </a:spcAft>
+                        <a:buClrTx/>
+                        <a:buSzTx/>
+                        <a:buFontTx/>
+                        <a:buNone/>
+                        <a:tabLst/>
+                        <a:defRPr/>
+                      </a:pPr>
+                      <a:r>
+                        <a:rPr lang="en-US" altLang="zh-CN" dirty="0">
+                          <a:solidFill>
+                            <a:schemeClr val="tx1"/>
+                          </a:solidFill>
+                        </a:rPr>
+                        <a:t>2</a:t>
+                      </a:r>
+                      <a:endParaRPr lang="en-US" dirty="0">
+                        <a:solidFill>
+                          <a:schemeClr val="tx1"/>
+                        </a:solidFill>
+                      </a:endParaRPr>
+                    </a:p>
+                  </a:txBody>
+                  <a:tcPr/>
+                </a:tc>
+                <a:tc>
+                  <a:txBody>
+                    <a:bodyPr/>
+                    <a:lstStyle/>
+                    <a:p>
+                      <a:pPr algn="r"/>
+                      <a:r>
+                        <a:rPr lang="en-US" altLang="zh-CN" baseline="0" dirty="0">
+                          <a:solidFill>
+                            <a:schemeClr val="tx1"/>
+                          </a:solidFill>
+                        </a:rPr>
+                        <a:t>3</a:t>
+                      </a:r>
+                      <a:endParaRPr lang="en-US" baseline="0" dirty="0">
+                        <a:solidFill>
+                          <a:schemeClr val="tx1"/>
+                        </a:solidFill>
+                      </a:endParaRPr>
+                    </a:p>
+                  </a:txBody>
+                  <a:tcPr/>
+                </a:tc>
+                <a:tc>
+                  <a:txBody>
+                    <a:bodyPr/>
+                    <a:lstStyle/>
+                    <a:p>
+                      <a:pPr algn="r"/>
+                      <a:r>
+                        <a:rPr lang="en-US" altLang="zh-CN" dirty="0">
+                          <a:solidFill>
+                            <a:schemeClr val="tx1"/>
+                          </a:solidFill>
+                        </a:rPr>
+                        <a:t>1</a:t>
+                      </a:r>
+                      <a:endParaRPr lang="en-US" dirty="0">
+                        <a:solidFill>
+                          <a:schemeClr val="tx1"/>
+                        </a:solidFill>
+                      </a:endParaRPr>
+                    </a:p>
+                  </a:txBody>
+                  <a:tcPr/>
+                </a:tc>
+                <a:tc>
+                  <a:txBody>
+                    <a:bodyPr/>
+                    <a:lstStyle/>
+                    <a:p>
+                      <a:pPr algn="r"/>
+                      <a:endParaRPr lang="en-US" dirty="0">
+                        <a:solidFill>
+                          <a:schemeClr val="tx1"/>
+                        </a:solidFill>
+                      </a:endParaRPr>
+                    </a:p>
+                  </a:txBody>
+                  <a:tcPr/>
+                </a:tc>
+                <a:tc>
+                  <a:txBody>
+                    <a:bodyPr/>
+                    <a:lstStyle/>
+                    <a:p>
+                      <a:pPr algn="r"/>
+                      <a:endParaRPr lang="en-US" dirty="0">
+                        <a:solidFill>
+                          <a:schemeClr val="tx1"/>
+                        </a:solidFill>
+                      </a:endParaRPr>
+                    </a:p>
+                  </a:txBody>
+                  <a:tcPr/>
+                </a:tc>
+                <a:extLst>
+                  <a:ext uri="{0D108BD9-81ED-4DB2-BD59-A6C34878D82A}">
+                    <a16:rowId xmlns:a16="http://schemas.microsoft.com/office/drawing/2014/main" val="1749603488"/>
+                  </a:ext>
+                </a:extLst>
+              </a:tr>
+              <a:tr h="0">
+                <a:tc>
+                  <a:txBody>
+                    <a:bodyPr/>
+                    <a:lstStyle/>
+                    <a:p>
+                      <a:pPr marL="0" marR="0" lvl="0" indent="0" algn="r" defTabSz="914400" rtl="0" eaLnBrk="1" fontAlgn="auto" latinLnBrk="0" hangingPunct="1">
+                        <a:lnSpc>
+                          <a:spcPct val="100000"/>
+                        </a:lnSpc>
+                        <a:spcBef>
+                          <a:spcPts val="0"/>
+                        </a:spcBef>
+                        <a:spcAft>
+                          <a:spcPts val="0"/>
+                        </a:spcAft>
+                        <a:buClrTx/>
+                        <a:buSzTx/>
+                        <a:buFontTx/>
+                        <a:buNone/>
+                        <a:tabLst/>
+                        <a:defRPr/>
+                      </a:pPr>
+                      <a:r>
+                        <a:rPr lang="en-US" altLang="zh-CN" dirty="0">
+                          <a:solidFill>
+                            <a:schemeClr val="tx1"/>
+                          </a:solidFill>
+                        </a:rPr>
+                        <a:t>3</a:t>
+                      </a:r>
+                      <a:endParaRPr lang="en-US" dirty="0">
+                        <a:solidFill>
+                          <a:schemeClr val="tx1"/>
+                        </a:solidFill>
+                      </a:endParaRPr>
+                    </a:p>
+                  </a:txBody>
+                  <a:tcPr/>
+                </a:tc>
+                <a:tc>
+                  <a:txBody>
+                    <a:bodyPr/>
+                    <a:lstStyle/>
+                    <a:p>
+                      <a:pPr algn="r"/>
+                      <a:r>
+                        <a:rPr lang="en-US" altLang="zh-CN" dirty="0">
+                          <a:solidFill>
+                            <a:schemeClr val="tx1"/>
+                          </a:solidFill>
+                        </a:rPr>
+                        <a:t>5</a:t>
+                      </a:r>
+                      <a:endParaRPr lang="en-US" baseline="30000" dirty="0">
+                        <a:solidFill>
+                          <a:schemeClr val="tx1"/>
+                        </a:solidFill>
+                      </a:endParaRPr>
+                    </a:p>
+                  </a:txBody>
+                  <a:tcPr/>
+                </a:tc>
+                <a:tc>
+                  <a:txBody>
+                    <a:bodyPr/>
+                    <a:lstStyle/>
+                    <a:p>
+                      <a:pPr algn="r"/>
+                      <a:r>
+                        <a:rPr lang="en-US" altLang="zh-CN" dirty="0">
+                          <a:solidFill>
+                            <a:schemeClr val="tx1"/>
+                          </a:solidFill>
+                        </a:rPr>
+                        <a:t>6</a:t>
+                      </a:r>
+                      <a:endParaRPr lang="en-US" dirty="0">
+                        <a:solidFill>
+                          <a:schemeClr val="tx1"/>
+                        </a:solidFill>
+                      </a:endParaRPr>
+                    </a:p>
+                  </a:txBody>
+                  <a:tcPr/>
+                </a:tc>
+                <a:tc>
+                  <a:txBody>
+                    <a:bodyPr/>
+                    <a:lstStyle/>
+                    <a:p>
+                      <a:pPr algn="r"/>
+                      <a:endParaRPr lang="en-US" dirty="0">
+                        <a:solidFill>
+                          <a:schemeClr val="tx1"/>
+                        </a:solidFill>
+                      </a:endParaRPr>
+                    </a:p>
+                  </a:txBody>
+                  <a:tcPr/>
+                </a:tc>
+                <a:tc>
+                  <a:txBody>
+                    <a:bodyPr/>
+                    <a:lstStyle/>
+                    <a:p>
+                      <a:pPr algn="r"/>
+                      <a:endParaRPr lang="en-US" dirty="0">
+                        <a:solidFill>
+                          <a:schemeClr val="tx1"/>
+                        </a:solidFill>
+                      </a:endParaRPr>
+                    </a:p>
+                  </a:txBody>
+                  <a:tcPr/>
+                </a:tc>
+                <a:extLst>
+                  <a:ext uri="{0D108BD9-81ED-4DB2-BD59-A6C34878D82A}">
+                    <a16:rowId xmlns:a16="http://schemas.microsoft.com/office/drawing/2014/main" val="1233945708"/>
+                  </a:ext>
+                </a:extLst>
+              </a:tr>
+              <a:tr h="0">
+                <a:tc>
+                  <a:txBody>
+                    <a:bodyPr/>
+                    <a:lstStyle/>
+                    <a:p>
+                      <a:pPr algn="r"/>
+                      <a:endParaRPr lang="en-US" dirty="0">
+                        <a:solidFill>
+                          <a:schemeClr val="tx1"/>
+                        </a:solidFill>
+                      </a:endParaRPr>
+                    </a:p>
+                  </a:txBody>
+                  <a:tcPr/>
+                </a:tc>
+                <a:tc gridSpan="2">
+                  <a:txBody>
+                    <a:bodyPr/>
+                    <a:lstStyle/>
+                    <a:p>
+                      <a:pPr algn="r"/>
+                      <a:endParaRPr lang="en-US" dirty="0">
+                        <a:solidFill>
+                          <a:schemeClr val="tx1"/>
+                        </a:solidFill>
+                      </a:endParaRPr>
+                    </a:p>
+                  </a:txBody>
+                  <a:tcPr/>
+                </a:tc>
+                <a:tc hMerge="1">
+                  <a:txBody>
+                    <a:bodyPr/>
+                    <a:lstStyle/>
+                    <a:p>
+                      <a:r>
+                        <a:rPr lang="en-US" altLang="zh-CN" dirty="0"/>
+                        <a:t>Average</a:t>
+                      </a:r>
+                      <a:r>
+                        <a:rPr lang="zh-CN" altLang="en-US" dirty="0"/>
+                        <a:t> </a:t>
+                      </a:r>
+                      <a:r>
+                        <a:rPr lang="en-US" altLang="zh-CN" dirty="0"/>
+                        <a:t>Turnaround</a:t>
+                      </a:r>
+                      <a:endParaRPr lang="en-US" dirty="0"/>
+                    </a:p>
+                  </a:txBody>
+                  <a:tcPr/>
+                </a:tc>
+                <a:tc>
+                  <a:txBody>
+                    <a:bodyPr/>
+                    <a:lstStyle/>
+                    <a:p>
+                      <a:pPr algn="r"/>
+                      <a:endParaRPr lang="en-US" dirty="0">
+                        <a:solidFill>
+                          <a:schemeClr val="tx1"/>
+                        </a:solidFill>
+                      </a:endParaRPr>
+                    </a:p>
+                  </a:txBody>
+                  <a:tcPr/>
+                </a:tc>
+                <a:tc>
+                  <a:txBody>
+                    <a:bodyPr/>
+                    <a:lstStyle/>
+                    <a:p>
+                      <a:pPr algn="r"/>
+                      <a:r>
+                        <a:rPr lang="en-US" dirty="0">
+                          <a:solidFill>
+                            <a:schemeClr val="tx1"/>
+                          </a:solidFill>
+                        </a:rPr>
+                        <a:t>Avg RT</a:t>
+                      </a:r>
+                    </a:p>
+                  </a:txBody>
+                  <a:tcPr/>
+                </a:tc>
+                <a:extLst>
+                  <a:ext uri="{0D108BD9-81ED-4DB2-BD59-A6C34878D82A}">
+                    <a16:rowId xmlns:a16="http://schemas.microsoft.com/office/drawing/2014/main" val="2879113726"/>
+                  </a:ext>
+                </a:extLst>
+              </a:tr>
+            </a:tbl>
+          </a:graphicData>
+        </a:graphic>
+      </p:graphicFrame>
+    </p:spTree>
+    <p:extLst>
+      <p:ext uri="{BB962C8B-B14F-4D97-AF65-F5344CB8AC3E}">
+        <p14:creationId xmlns:p14="http://schemas.microsoft.com/office/powerpoint/2010/main" val="3597490601"/>
+      </p:ext>
+    </p:extLst>
+  </p:cSld>
+  <p:clrMapOvr>
+    <a:masterClrMapping/>
+  </p:clrMapOvr>
+  <p:transition/>
+</p:sld>
+</file>
+
+<file path=ppt/slides/slide7.xml><?xml version="1.0" encoding="utf-8"?>
+<p:sld xmlns:a="http://schemas.openxmlformats.org/drawingml/2006/main" xmlns:r="http://schemas.openxmlformats.org/officeDocument/2006/relationships" xmlns:p="http://schemas.openxmlformats.org/presentationml/2006/main">
+  <p:cSld>
+    <p:spTree>
+      <p:nvGrpSpPr>
+        <p:cNvPr id="1" name=""/>
+        <p:cNvGrpSpPr/>
+        <p:nvPr/>
+      </p:nvGrpSpPr>
+      <p:grpSpPr>
+        <a:xfrm>
+          <a:off x="0" y="0"/>
+          <a:ext cx="0" cy="0"/>
+          <a:chOff x="0" y="0"/>
+          <a:chExt cx="0" cy="0"/>
+        </a:xfrm>
+      </p:grpSpPr>
+      <p:sp>
+        <p:nvSpPr>
+          <p:cNvPr id="2" name="Title 1">
+            <a:extLst>
+              <a:ext uri="{FF2B5EF4-FFF2-40B4-BE49-F238E27FC236}">
+                <a16:creationId xmlns:a16="http://schemas.microsoft.com/office/drawing/2014/main" id="{2FC56AF0-7370-4F9A-34DD-3972859D43C7}"/>
+              </a:ext>
+            </a:extLst>
+          </p:cNvPr>
+          <p:cNvSpPr>
+            <a:spLocks noGrp="1"/>
+          </p:cNvSpPr>
+          <p:nvPr>
+            <p:ph type="title"/>
+          </p:nvPr>
+        </p:nvSpPr>
+        <p:spPr/>
+        <p:txBody>
+          <a:bodyPr/>
+          <a:lstStyle/>
+          <a:p>
+            <a:r>
+              <a:rPr lang="en-GB" dirty="0"/>
+              <a:t>Scheduling with Bursts I</a:t>
+            </a:r>
+            <a:endParaRPr lang="en-SE" dirty="0"/>
+          </a:p>
+        </p:txBody>
+      </p:sp>
+      <p:sp>
+        <p:nvSpPr>
+          <p:cNvPr id="3" name="Content Placeholder 2">
+            <a:extLst>
+              <a:ext uri="{FF2B5EF4-FFF2-40B4-BE49-F238E27FC236}">
+                <a16:creationId xmlns:a16="http://schemas.microsoft.com/office/drawing/2014/main" id="{3AADDD39-2EEB-BA36-450E-0A833D923877}"/>
+              </a:ext>
+            </a:extLst>
+          </p:cNvPr>
+          <p:cNvSpPr>
+            <a:spLocks noGrp="1"/>
+          </p:cNvSpPr>
+          <p:nvPr>
+            <p:ph idx="1"/>
+          </p:nvPr>
+        </p:nvSpPr>
+        <p:spPr/>
+        <p:txBody>
+          <a:bodyPr/>
+          <a:lstStyle/>
+          <a:p>
+            <a:r>
+              <a:rPr lang="en-GB" dirty="0"/>
+              <a:t>Consider the set of 4 processes whose arrival time and CPU/IO burst times are given below. If the CPU scheduling policy is </a:t>
+            </a:r>
+            <a:r>
+              <a:rPr lang="en-GB" b="1" dirty="0"/>
+              <a:t>Shortest Remaining Time First (SRTF)</a:t>
+            </a:r>
+            <a:r>
+              <a:rPr lang="en-GB" dirty="0"/>
+              <a:t>, draw the Gantt chart and calculate the average response time. (Note: consider the overlap of computation and IO busts of different processes)</a:t>
+            </a:r>
+            <a:endParaRPr lang="en-SE" dirty="0"/>
+          </a:p>
+        </p:txBody>
+      </p:sp>
+      <p:graphicFrame>
+        <p:nvGraphicFramePr>
+          <p:cNvPr id="8" name="表格 6">
+            <a:extLst>
+              <a:ext uri="{FF2B5EF4-FFF2-40B4-BE49-F238E27FC236}">
+                <a16:creationId xmlns:a16="http://schemas.microsoft.com/office/drawing/2014/main" id="{C5347911-4750-2155-2129-F0DAED0F0058}"/>
+              </a:ext>
+            </a:extLst>
+          </p:cNvPr>
+          <p:cNvGraphicFramePr>
+            <a:graphicFrameLocks noGrp="1"/>
+          </p:cNvGraphicFramePr>
+          <p:nvPr>
+            <p:extLst>
+              <p:ext uri="{D42A27DB-BD31-4B8C-83A1-F6EECF244321}">
+                <p14:modId xmlns:p14="http://schemas.microsoft.com/office/powerpoint/2010/main" val="2054541497"/>
+              </p:ext>
+            </p:extLst>
+          </p:nvPr>
+        </p:nvGraphicFramePr>
+        <p:xfrm>
+          <a:off x="3920556" y="3276600"/>
+          <a:ext cx="4350887" cy="2377440"/>
+        </p:xfrm>
+        <a:graphic>
+          <a:graphicData uri="http://schemas.openxmlformats.org/drawingml/2006/table">
+            <a:tbl>
+              <a:tblPr firstRow="1" bandRow="1">
+                <a:tableStyleId>{5C22544A-7EE6-4342-B048-85BDC9FD1C3A}</a:tableStyleId>
+              </a:tblPr>
+              <a:tblGrid>
+                <a:gridCol w="320287">
+                  <a:extLst>
+                    <a:ext uri="{9D8B030D-6E8A-4147-A177-3AD203B41FA5}">
+                      <a16:colId xmlns:a16="http://schemas.microsoft.com/office/drawing/2014/main" val="3897766631"/>
+                    </a:ext>
+                  </a:extLst>
+                </a:gridCol>
+                <a:gridCol w="814309">
+                  <a:extLst>
+                    <a:ext uri="{9D8B030D-6E8A-4147-A177-3AD203B41FA5}">
+                      <a16:colId xmlns:a16="http://schemas.microsoft.com/office/drawing/2014/main" val="3850674632"/>
+                    </a:ext>
+                  </a:extLst>
+                </a:gridCol>
+                <a:gridCol w="1072097">
+                  <a:extLst>
+                    <a:ext uri="{9D8B030D-6E8A-4147-A177-3AD203B41FA5}">
+                      <a16:colId xmlns:a16="http://schemas.microsoft.com/office/drawing/2014/main" val="3517187588"/>
+                    </a:ext>
+                  </a:extLst>
+                </a:gridCol>
+                <a:gridCol w="1072097">
+                  <a:extLst>
+                    <a:ext uri="{9D8B030D-6E8A-4147-A177-3AD203B41FA5}">
+                      <a16:colId xmlns:a16="http://schemas.microsoft.com/office/drawing/2014/main" val="2248621"/>
+                    </a:ext>
+                  </a:extLst>
+                </a:gridCol>
+                <a:gridCol w="1072097">
+                  <a:extLst>
+                    <a:ext uri="{9D8B030D-6E8A-4147-A177-3AD203B41FA5}">
+                      <a16:colId xmlns:a16="http://schemas.microsoft.com/office/drawing/2014/main" val="2712044097"/>
+                    </a:ext>
+                  </a:extLst>
+                </a:gridCol>
+              </a:tblGrid>
+              <a:tr h="769572">
+                <a:tc>
+                  <a:txBody>
+                    <a:bodyPr/>
+                    <a:lstStyle/>
+                    <a:p>
+                      <a:pPr algn="r"/>
+                      <a:r>
+                        <a:rPr lang="en-US" b="0" dirty="0">
+                          <a:solidFill>
+                            <a:schemeClr val="tx1"/>
+                          </a:solidFill>
+                        </a:rPr>
+                        <a:t>PID</a:t>
+                      </a:r>
+                    </a:p>
+                  </a:txBody>
+                  <a:tcPr/>
+                </a:tc>
+                <a:tc>
+                  <a:txBody>
+                    <a:bodyPr/>
+                    <a:lstStyle/>
+                    <a:p>
+                      <a:pPr algn="r"/>
+                      <a:r>
+                        <a:rPr lang="en-US" altLang="zh-CN" b="0" dirty="0" err="1">
+                          <a:solidFill>
+                            <a:schemeClr val="tx1"/>
+                          </a:solidFill>
+                        </a:rPr>
+                        <a:t>Arriv</a:t>
+                      </a:r>
+                      <a:r>
+                        <a:rPr lang="en-US" altLang="zh-CN" b="0" dirty="0">
+                          <a:solidFill>
+                            <a:schemeClr val="tx1"/>
+                          </a:solidFill>
+                        </a:rPr>
+                        <a:t>.</a:t>
+                      </a:r>
+                      <a:r>
+                        <a:rPr lang="zh-CN" altLang="en-US" b="0" dirty="0">
+                          <a:solidFill>
+                            <a:schemeClr val="tx1"/>
+                          </a:solidFill>
+                        </a:rPr>
+                        <a:t> </a:t>
+                      </a:r>
+                      <a:r>
+                        <a:rPr lang="en-US" altLang="zh-CN" b="0" dirty="0">
+                          <a:solidFill>
+                            <a:schemeClr val="tx1"/>
+                          </a:solidFill>
+                        </a:rPr>
+                        <a:t>time</a:t>
+                      </a:r>
+                      <a:endParaRPr lang="en-US" b="0" dirty="0">
+                        <a:solidFill>
+                          <a:schemeClr val="tx1"/>
+                        </a:solidFill>
+                      </a:endParaRPr>
+                    </a:p>
+                  </a:txBody>
+                  <a:tcPr/>
+                </a:tc>
+                <a:tc>
+                  <a:txBody>
+                    <a:bodyPr/>
+                    <a:lstStyle/>
+                    <a:p>
+                      <a:pPr marL="0" marR="0" lvl="0" indent="0" algn="r" defTabSz="914400" rtl="0" eaLnBrk="1" fontAlgn="auto" latinLnBrk="0" hangingPunct="1">
+                        <a:lnSpc>
+                          <a:spcPct val="100000"/>
+                        </a:lnSpc>
+                        <a:spcBef>
+                          <a:spcPts val="0"/>
+                        </a:spcBef>
+                        <a:spcAft>
+                          <a:spcPts val="0"/>
+                        </a:spcAft>
+                        <a:buClrTx/>
+                        <a:buSzTx/>
+                        <a:buFontTx/>
+                        <a:buNone/>
+                        <a:tabLst/>
+                        <a:defRPr/>
+                      </a:pPr>
+                      <a:r>
+                        <a:rPr lang="en-US" b="0" dirty="0">
+                          <a:solidFill>
+                            <a:schemeClr val="tx1"/>
+                          </a:solidFill>
+                        </a:rPr>
+                        <a:t>IO Burst</a:t>
+                      </a:r>
+                    </a:p>
+                  </a:txBody>
+                  <a:tcPr marL="45720" marR="45720"/>
+                </a:tc>
+                <a:tc>
+                  <a:txBody>
+                    <a:bodyPr/>
+                    <a:lstStyle/>
+                    <a:p>
+                      <a:pPr marL="0" marR="0" lvl="0" indent="0" algn="r" defTabSz="914400" rtl="0" eaLnBrk="1" fontAlgn="auto" latinLnBrk="0" hangingPunct="1">
+                        <a:lnSpc>
+                          <a:spcPct val="100000"/>
+                        </a:lnSpc>
+                        <a:spcBef>
+                          <a:spcPts val="0"/>
+                        </a:spcBef>
+                        <a:spcAft>
+                          <a:spcPts val="0"/>
+                        </a:spcAft>
+                        <a:buClrTx/>
+                        <a:buSzTx/>
+                        <a:buFontTx/>
+                        <a:buNone/>
+                        <a:tabLst/>
+                        <a:defRPr/>
+                      </a:pPr>
+                      <a:r>
+                        <a:rPr lang="en-US" b="0" dirty="0">
+                          <a:solidFill>
+                            <a:schemeClr val="tx1"/>
+                          </a:solidFill>
+                        </a:rPr>
+                        <a:t>CPU Burst</a:t>
+                      </a:r>
+                    </a:p>
+                  </a:txBody>
+                  <a:tcPr/>
+                </a:tc>
+                <a:tc>
+                  <a:txBody>
+                    <a:bodyPr/>
+                    <a:lstStyle/>
+                    <a:p>
+                      <a:pPr marL="0" marR="0" lvl="0" indent="0" algn="r" defTabSz="914400" rtl="0" eaLnBrk="1" fontAlgn="auto" latinLnBrk="0" hangingPunct="1">
+                        <a:lnSpc>
+                          <a:spcPct val="100000"/>
+                        </a:lnSpc>
+                        <a:spcBef>
+                          <a:spcPts val="0"/>
+                        </a:spcBef>
+                        <a:spcAft>
+                          <a:spcPts val="0"/>
+                        </a:spcAft>
+                        <a:buClrTx/>
+                        <a:buSzTx/>
+                        <a:buFontTx/>
+                        <a:buNone/>
+                        <a:tabLst/>
+                        <a:defRPr/>
+                      </a:pPr>
+                      <a:r>
+                        <a:rPr lang="en-US" b="0" dirty="0">
+                          <a:solidFill>
+                            <a:schemeClr val="tx1"/>
+                          </a:solidFill>
+                        </a:rPr>
+                        <a:t>IO Burst</a:t>
+                      </a:r>
+                    </a:p>
+                  </a:txBody>
+                  <a:tcPr marL="45720" marR="45720"/>
+                </a:tc>
+                <a:extLst>
+                  <a:ext uri="{0D108BD9-81ED-4DB2-BD59-A6C34878D82A}">
+                    <a16:rowId xmlns:a16="http://schemas.microsoft.com/office/drawing/2014/main" val="3141622018"/>
+                  </a:ext>
+                </a:extLst>
+              </a:tr>
+              <a:tr h="0">
+                <a:tc>
+                  <a:txBody>
+                    <a:bodyPr/>
+                    <a:lstStyle/>
+                    <a:p>
+                      <a:pPr algn="r"/>
+                      <a:r>
+                        <a:rPr lang="en-US" altLang="zh-CN" dirty="0">
+                          <a:solidFill>
+                            <a:schemeClr val="tx1"/>
+                          </a:solidFill>
+                        </a:rPr>
+                        <a:t>1</a:t>
+                      </a:r>
+                      <a:endParaRPr lang="en-US" dirty="0">
+                        <a:solidFill>
+                          <a:schemeClr val="tx1"/>
+                        </a:solidFill>
+                      </a:endParaRPr>
+                    </a:p>
+                  </a:txBody>
+                  <a:tcPr/>
+                </a:tc>
+                <a:tc>
+                  <a:txBody>
+                    <a:bodyPr/>
+                    <a:lstStyle/>
+                    <a:p>
+                      <a:pPr algn="r"/>
+                      <a:r>
+                        <a:rPr lang="en-US" altLang="zh-CN" dirty="0">
+                          <a:solidFill>
+                            <a:schemeClr val="tx1"/>
+                          </a:solidFill>
+                        </a:rPr>
+                        <a:t>0</a:t>
+                      </a:r>
+                      <a:endParaRPr lang="en-US" dirty="0">
+                        <a:solidFill>
+                          <a:schemeClr val="tx1"/>
+                        </a:solidFill>
+                      </a:endParaRPr>
+                    </a:p>
+                  </a:txBody>
+                  <a:tcPr/>
+                </a:tc>
+                <a:tc>
+                  <a:txBody>
+                    <a:bodyPr/>
+                    <a:lstStyle/>
+                    <a:p>
+                      <a:pPr algn="r"/>
+                      <a:r>
+                        <a:rPr lang="en-US" altLang="zh-CN" strike="noStrike" dirty="0">
+                          <a:solidFill>
+                            <a:schemeClr val="tx1"/>
+                          </a:solidFill>
+                        </a:rPr>
+                        <a:t>2</a:t>
+                      </a:r>
+                      <a:endParaRPr lang="en-US" strike="noStrike" dirty="0">
+                        <a:solidFill>
+                          <a:schemeClr val="tx1"/>
+                        </a:solidFill>
+                      </a:endParaRPr>
+                    </a:p>
+                  </a:txBody>
+                  <a:tcPr/>
+                </a:tc>
+                <a:tc>
+                  <a:txBody>
+                    <a:bodyPr/>
+                    <a:lstStyle/>
+                    <a:p>
+                      <a:pPr algn="r"/>
+                      <a:r>
+                        <a:rPr lang="en-US" dirty="0">
+                          <a:solidFill>
+                            <a:schemeClr val="tx1"/>
+                          </a:solidFill>
+                        </a:rPr>
+                        <a:t>7</a:t>
+                      </a:r>
+                    </a:p>
+                  </a:txBody>
+                  <a:tcPr/>
+                </a:tc>
+                <a:tc>
+                  <a:txBody>
+                    <a:bodyPr/>
+                    <a:lstStyle/>
+                    <a:p>
+                      <a:pPr algn="r"/>
+                      <a:r>
+                        <a:rPr lang="en-US" altLang="zh-CN" strike="noStrike" dirty="0">
+                          <a:solidFill>
+                            <a:schemeClr val="tx1"/>
+                          </a:solidFill>
+                        </a:rPr>
+                        <a:t>1</a:t>
+                      </a:r>
+                      <a:endParaRPr lang="en-US" strike="noStrike" dirty="0">
+                        <a:solidFill>
+                          <a:schemeClr val="tx1"/>
+                        </a:solidFill>
+                      </a:endParaRPr>
+                    </a:p>
+                  </a:txBody>
+                  <a:tcPr/>
+                </a:tc>
+                <a:extLst>
+                  <a:ext uri="{0D108BD9-81ED-4DB2-BD59-A6C34878D82A}">
+                    <a16:rowId xmlns:a16="http://schemas.microsoft.com/office/drawing/2014/main" val="2311278232"/>
+                  </a:ext>
+                </a:extLst>
+              </a:tr>
+              <a:tr h="0">
+                <a:tc>
+                  <a:txBody>
+                    <a:bodyPr/>
+                    <a:lstStyle/>
+                    <a:p>
+                      <a:pPr marL="0" marR="0" lvl="0" indent="0" algn="r" defTabSz="914400" rtl="0" eaLnBrk="1" fontAlgn="auto" latinLnBrk="0" hangingPunct="1">
+                        <a:lnSpc>
+                          <a:spcPct val="100000"/>
+                        </a:lnSpc>
+                        <a:spcBef>
+                          <a:spcPts val="0"/>
+                        </a:spcBef>
+                        <a:spcAft>
+                          <a:spcPts val="0"/>
+                        </a:spcAft>
+                        <a:buClrTx/>
+                        <a:buSzTx/>
+                        <a:buFontTx/>
+                        <a:buNone/>
+                        <a:tabLst/>
+                        <a:defRPr/>
+                      </a:pPr>
+                      <a:r>
+                        <a:rPr lang="en-US" altLang="zh-CN" dirty="0">
+                          <a:solidFill>
+                            <a:schemeClr val="tx1"/>
+                          </a:solidFill>
+                        </a:rPr>
+                        <a:t>2</a:t>
+                      </a:r>
+                      <a:endParaRPr lang="en-US" dirty="0">
+                        <a:solidFill>
+                          <a:schemeClr val="tx1"/>
+                        </a:solidFill>
+                      </a:endParaRPr>
+                    </a:p>
+                  </a:txBody>
+                  <a:tcPr/>
+                </a:tc>
+                <a:tc>
+                  <a:txBody>
+                    <a:bodyPr/>
+                    <a:lstStyle/>
+                    <a:p>
+                      <a:pPr algn="r"/>
+                      <a:r>
+                        <a:rPr lang="en-US" altLang="zh-CN" baseline="0" dirty="0">
+                          <a:solidFill>
+                            <a:schemeClr val="tx1"/>
+                          </a:solidFill>
+                        </a:rPr>
+                        <a:t>0</a:t>
+                      </a:r>
+                      <a:endParaRPr lang="en-US" baseline="0" dirty="0">
+                        <a:solidFill>
+                          <a:schemeClr val="tx1"/>
+                        </a:solidFill>
+                      </a:endParaRPr>
+                    </a:p>
+                  </a:txBody>
+                  <a:tcPr/>
+                </a:tc>
+                <a:tc>
+                  <a:txBody>
+                    <a:bodyPr/>
+                    <a:lstStyle/>
+                    <a:p>
+                      <a:pPr algn="r"/>
+                      <a:r>
+                        <a:rPr lang="en-US" altLang="zh-CN" dirty="0">
+                          <a:solidFill>
+                            <a:schemeClr val="tx1"/>
+                          </a:solidFill>
+                        </a:rPr>
+                        <a:t>4</a:t>
+                      </a:r>
+                      <a:endParaRPr lang="en-US" dirty="0">
+                        <a:solidFill>
+                          <a:schemeClr val="tx1"/>
+                        </a:solidFill>
+                      </a:endParaRPr>
+                    </a:p>
+                  </a:txBody>
+                  <a:tcPr/>
+                </a:tc>
+                <a:tc>
+                  <a:txBody>
+                    <a:bodyPr/>
+                    <a:lstStyle/>
+                    <a:p>
+                      <a:pPr algn="r"/>
+                      <a:r>
+                        <a:rPr lang="en-US" dirty="0">
+                          <a:solidFill>
+                            <a:schemeClr val="tx1"/>
+                          </a:solidFill>
+                        </a:rPr>
+                        <a:t>14</a:t>
+                      </a:r>
+                    </a:p>
+                  </a:txBody>
+                  <a:tcPr/>
+                </a:tc>
+                <a:tc>
+                  <a:txBody>
+                    <a:bodyPr/>
+                    <a:lstStyle/>
+                    <a:p>
+                      <a:pPr algn="r"/>
+                      <a:r>
+                        <a:rPr lang="en-US" altLang="zh-CN" dirty="0">
+                          <a:solidFill>
+                            <a:schemeClr val="tx1"/>
+                          </a:solidFill>
+                        </a:rPr>
+                        <a:t>2</a:t>
+                      </a:r>
+                      <a:endParaRPr lang="en-US" dirty="0">
+                        <a:solidFill>
+                          <a:schemeClr val="tx1"/>
+                        </a:solidFill>
+                      </a:endParaRPr>
+                    </a:p>
+                  </a:txBody>
+                  <a:tcPr/>
+                </a:tc>
+                <a:extLst>
+                  <a:ext uri="{0D108BD9-81ED-4DB2-BD59-A6C34878D82A}">
+                    <a16:rowId xmlns:a16="http://schemas.microsoft.com/office/drawing/2014/main" val="1749603488"/>
+                  </a:ext>
+                </a:extLst>
+              </a:tr>
+              <a:tr h="0">
+                <a:tc>
+                  <a:txBody>
+                    <a:bodyPr/>
+                    <a:lstStyle/>
+                    <a:p>
+                      <a:pPr marL="0" marR="0" lvl="0" indent="0" algn="r" defTabSz="914400" rtl="0" eaLnBrk="1" fontAlgn="auto" latinLnBrk="0" hangingPunct="1">
+                        <a:lnSpc>
+                          <a:spcPct val="100000"/>
+                        </a:lnSpc>
+                        <a:spcBef>
+                          <a:spcPts val="0"/>
+                        </a:spcBef>
+                        <a:spcAft>
+                          <a:spcPts val="0"/>
+                        </a:spcAft>
+                        <a:buClrTx/>
+                        <a:buSzTx/>
+                        <a:buFontTx/>
+                        <a:buNone/>
+                        <a:tabLst/>
+                        <a:defRPr/>
+                      </a:pPr>
+                      <a:r>
+                        <a:rPr lang="en-US" altLang="zh-CN" dirty="0">
+                          <a:solidFill>
+                            <a:schemeClr val="tx1"/>
+                          </a:solidFill>
+                        </a:rPr>
+                        <a:t>3</a:t>
+                      </a:r>
+                      <a:endParaRPr lang="en-US" dirty="0">
+                        <a:solidFill>
+                          <a:schemeClr val="tx1"/>
+                        </a:solidFill>
+                      </a:endParaRPr>
+                    </a:p>
+                  </a:txBody>
+                  <a:tcPr/>
+                </a:tc>
+                <a:tc>
+                  <a:txBody>
+                    <a:bodyPr/>
+                    <a:lstStyle/>
+                    <a:p>
+                      <a:pPr algn="r"/>
+                      <a:r>
+                        <a:rPr lang="en-US" altLang="zh-CN" dirty="0">
+                          <a:solidFill>
+                            <a:schemeClr val="tx1"/>
+                          </a:solidFill>
+                        </a:rPr>
+                        <a:t>0</a:t>
+                      </a:r>
+                      <a:endParaRPr lang="en-US" baseline="30000" dirty="0">
+                        <a:solidFill>
+                          <a:schemeClr val="tx1"/>
+                        </a:solidFill>
+                      </a:endParaRPr>
+                    </a:p>
+                  </a:txBody>
+                  <a:tcPr/>
+                </a:tc>
+                <a:tc>
+                  <a:txBody>
+                    <a:bodyPr/>
+                    <a:lstStyle/>
+                    <a:p>
+                      <a:pPr algn="r"/>
+                      <a:r>
+                        <a:rPr lang="en-US" altLang="zh-CN" dirty="0">
+                          <a:solidFill>
+                            <a:schemeClr val="tx1"/>
+                          </a:solidFill>
+                        </a:rPr>
+                        <a:t>6</a:t>
+                      </a:r>
+                      <a:endParaRPr lang="en-US" dirty="0">
+                        <a:solidFill>
+                          <a:schemeClr val="tx1"/>
+                        </a:solidFill>
+                      </a:endParaRPr>
+                    </a:p>
+                  </a:txBody>
+                  <a:tcPr/>
+                </a:tc>
+                <a:tc>
+                  <a:txBody>
+                    <a:bodyPr/>
+                    <a:lstStyle/>
+                    <a:p>
+                      <a:pPr algn="r"/>
+                      <a:r>
+                        <a:rPr lang="en-US" dirty="0">
+                          <a:solidFill>
+                            <a:schemeClr val="tx1"/>
+                          </a:solidFill>
+                        </a:rPr>
+                        <a:t>21</a:t>
+                      </a:r>
+                    </a:p>
+                  </a:txBody>
+                  <a:tcPr/>
+                </a:tc>
+                <a:tc>
+                  <a:txBody>
+                    <a:bodyPr/>
+                    <a:lstStyle/>
+                    <a:p>
+                      <a:pPr algn="r"/>
+                      <a:r>
+                        <a:rPr lang="en-US" altLang="zh-CN" dirty="0">
+                          <a:solidFill>
+                            <a:schemeClr val="tx1"/>
+                          </a:solidFill>
+                        </a:rPr>
+                        <a:t>3</a:t>
+                      </a:r>
+                      <a:endParaRPr lang="en-US" dirty="0">
+                        <a:solidFill>
+                          <a:schemeClr val="tx1"/>
+                        </a:solidFill>
+                      </a:endParaRPr>
+                    </a:p>
+                  </a:txBody>
+                  <a:tcPr/>
+                </a:tc>
+                <a:extLst>
+                  <a:ext uri="{0D108BD9-81ED-4DB2-BD59-A6C34878D82A}">
+                    <a16:rowId xmlns:a16="http://schemas.microsoft.com/office/drawing/2014/main" val="1233945708"/>
+                  </a:ext>
+                </a:extLst>
+              </a:tr>
+              <a:tr h="0">
+                <a:tc>
+                  <a:txBody>
+                    <a:bodyPr/>
+                    <a:lstStyle/>
+                    <a:p>
+                      <a:pPr algn="r"/>
+                      <a:endParaRPr lang="en-US" dirty="0">
+                        <a:solidFill>
+                          <a:schemeClr val="tx1"/>
+                        </a:solidFill>
+                      </a:endParaRPr>
+                    </a:p>
+                  </a:txBody>
+                  <a:tcPr/>
+                </a:tc>
+                <a:tc>
+                  <a:txBody>
+                    <a:bodyPr/>
+                    <a:lstStyle/>
+                    <a:p>
+                      <a:pPr algn="r"/>
+                      <a:endParaRPr lang="en-US" dirty="0">
+                        <a:solidFill>
+                          <a:schemeClr val="tx1"/>
+                        </a:solidFill>
+                      </a:endParaRPr>
+                    </a:p>
+                  </a:txBody>
+                  <a:tcPr/>
+                </a:tc>
+                <a:tc>
+                  <a:txBody>
+                    <a:bodyPr/>
+                    <a:lstStyle/>
+                    <a:p>
+                      <a:pPr algn="r"/>
+                      <a:endParaRPr lang="en-US" dirty="0">
+                        <a:solidFill>
+                          <a:schemeClr val="tx1"/>
+                        </a:solidFill>
+                      </a:endParaRPr>
+                    </a:p>
+                  </a:txBody>
+                  <a:tcPr/>
+                </a:tc>
+                <a:tc>
+                  <a:txBody>
+                    <a:bodyPr/>
+                    <a:lstStyle/>
+                    <a:p>
+                      <a:pPr algn="r"/>
+                      <a:endParaRPr lang="en-US" dirty="0">
+                        <a:solidFill>
+                          <a:schemeClr val="tx1"/>
+                        </a:solidFill>
+                      </a:endParaRPr>
+                    </a:p>
+                  </a:txBody>
+                  <a:tcPr/>
+                </a:tc>
+                <a:tc>
+                  <a:txBody>
+                    <a:bodyPr/>
+                    <a:lstStyle/>
+                    <a:p>
+                      <a:pPr algn="r"/>
+                      <a:r>
+                        <a:rPr lang="en-US" dirty="0">
+                          <a:solidFill>
+                            <a:schemeClr val="tx1"/>
+                          </a:solidFill>
+                        </a:rPr>
+                        <a:t>Avg RT</a:t>
+                      </a:r>
+                    </a:p>
+                  </a:txBody>
+                  <a:tcPr/>
+                </a:tc>
+                <a:extLst>
+                  <a:ext uri="{0D108BD9-81ED-4DB2-BD59-A6C34878D82A}">
+                    <a16:rowId xmlns:a16="http://schemas.microsoft.com/office/drawing/2014/main" val="2879113726"/>
+                  </a:ext>
+                </a:extLst>
+              </a:tr>
+            </a:tbl>
+          </a:graphicData>
+        </a:graphic>
+      </p:graphicFrame>
+    </p:spTree>
+    <p:extLst>
+      <p:ext uri="{BB962C8B-B14F-4D97-AF65-F5344CB8AC3E}">
+        <p14:creationId xmlns:p14="http://schemas.microsoft.com/office/powerpoint/2010/main" val="2087608417"/>
+      </p:ext>
+    </p:extLst>
+  </p:cSld>
+  <p:clrMapOvr>
+    <a:masterClrMapping/>
+  </p:clrMapOvr>
+  <p:transition/>
+</p:sld>
+</file>
+
+<file path=ppt/slides/slide8.xml><?xml version="1.0" encoding="utf-8"?>
+<p:sld xmlns:a="http://schemas.openxmlformats.org/drawingml/2006/main" xmlns:r="http://schemas.openxmlformats.org/officeDocument/2006/relationships" xmlns:p="http://schemas.openxmlformats.org/presentationml/2006/main">
+  <p:cSld>
+    <p:spTree>
+      <p:nvGrpSpPr>
+        <p:cNvPr id="1" name="">
+          <a:extLst>
+            <a:ext uri="{FF2B5EF4-FFF2-40B4-BE49-F238E27FC236}">
+              <a16:creationId xmlns:a16="http://schemas.microsoft.com/office/drawing/2014/main" id="{99ED07C2-AF29-B03A-E6A6-9CAE5F5E03AB}"/>
+            </a:ext>
+          </a:extLst>
+        </p:cNvPr>
+        <p:cNvGrpSpPr/>
+        <p:nvPr/>
+      </p:nvGrpSpPr>
+      <p:grpSpPr>
+        <a:xfrm>
+          <a:off x="0" y="0"/>
+          <a:ext cx="0" cy="0"/>
+          <a:chOff x="0" y="0"/>
+          <a:chExt cx="0" cy="0"/>
+        </a:xfrm>
+      </p:grpSpPr>
+      <p:sp>
+        <p:nvSpPr>
+          <p:cNvPr id="2" name="Title 1">
+            <a:extLst>
+              <a:ext uri="{FF2B5EF4-FFF2-40B4-BE49-F238E27FC236}">
+                <a16:creationId xmlns:a16="http://schemas.microsoft.com/office/drawing/2014/main" id="{A822C23E-586F-DDDF-60F8-BAB18B89FB33}"/>
+              </a:ext>
+            </a:extLst>
+          </p:cNvPr>
+          <p:cNvSpPr>
+            <a:spLocks noGrp="1"/>
+          </p:cNvSpPr>
+          <p:nvPr>
+            <p:ph type="title"/>
+          </p:nvPr>
+        </p:nvSpPr>
+        <p:spPr/>
+        <p:txBody>
+          <a:bodyPr/>
+          <a:lstStyle/>
+          <a:p>
+            <a:r>
+              <a:rPr lang="en-GB" dirty="0"/>
+              <a:t>Scheduling with Bursts II</a:t>
+            </a:r>
+            <a:endParaRPr lang="en-SE" dirty="0"/>
+          </a:p>
+        </p:txBody>
+      </p:sp>
+      <p:sp>
+        <p:nvSpPr>
+          <p:cNvPr id="3" name="Content Placeholder 2">
+            <a:extLst>
+              <a:ext uri="{FF2B5EF4-FFF2-40B4-BE49-F238E27FC236}">
+                <a16:creationId xmlns:a16="http://schemas.microsoft.com/office/drawing/2014/main" id="{A8E39957-29B2-6ADC-3302-9BAC7F0D973A}"/>
+              </a:ext>
+            </a:extLst>
+          </p:cNvPr>
+          <p:cNvSpPr>
+            <a:spLocks noGrp="1"/>
+          </p:cNvSpPr>
+          <p:nvPr>
+            <p:ph idx="1"/>
+          </p:nvPr>
+        </p:nvSpPr>
+        <p:spPr/>
+        <p:txBody>
+          <a:bodyPr/>
+          <a:lstStyle/>
+          <a:p>
+            <a:r>
+              <a:rPr lang="en-GB" dirty="0"/>
+              <a:t>Consider the set of 4 processes whose arrival time and CPU/IO burst times are given below. If the CPU scheduling policy is </a:t>
+            </a:r>
+            <a:r>
+              <a:rPr lang="en-GB" b="1" dirty="0"/>
+              <a:t>Fixed-Priority Scheduling</a:t>
+            </a:r>
+            <a:r>
+              <a:rPr lang="en-GB" dirty="0"/>
+              <a:t> (larger number denotes higher priority), draw the Gantt chart and calculate the average response time. </a:t>
+            </a:r>
+            <a:endParaRPr lang="en-SE" dirty="0"/>
+          </a:p>
+        </p:txBody>
+      </p:sp>
+      <p:graphicFrame>
+        <p:nvGraphicFramePr>
+          <p:cNvPr id="8" name="表格 6">
+            <a:extLst>
+              <a:ext uri="{FF2B5EF4-FFF2-40B4-BE49-F238E27FC236}">
+                <a16:creationId xmlns:a16="http://schemas.microsoft.com/office/drawing/2014/main" id="{E9333747-37E8-1778-C12B-BF88C5D4145D}"/>
+              </a:ext>
+            </a:extLst>
+          </p:cNvPr>
+          <p:cNvGraphicFramePr>
+            <a:graphicFrameLocks noGrp="1"/>
+          </p:cNvGraphicFramePr>
+          <p:nvPr/>
+        </p:nvGraphicFramePr>
+        <p:xfrm>
+          <a:off x="3384508" y="2667000"/>
+          <a:ext cx="5422984" cy="2377440"/>
+        </p:xfrm>
+        <a:graphic>
+          <a:graphicData uri="http://schemas.openxmlformats.org/drawingml/2006/table">
+            <a:tbl>
+              <a:tblPr firstRow="1" bandRow="1">
+                <a:tableStyleId>{5C22544A-7EE6-4342-B048-85BDC9FD1C3A}</a:tableStyleId>
+              </a:tblPr>
+              <a:tblGrid>
+                <a:gridCol w="320287">
+                  <a:extLst>
+                    <a:ext uri="{9D8B030D-6E8A-4147-A177-3AD203B41FA5}">
+                      <a16:colId xmlns:a16="http://schemas.microsoft.com/office/drawing/2014/main" val="3897766631"/>
+                    </a:ext>
+                  </a:extLst>
+                </a:gridCol>
+                <a:gridCol w="814309">
+                  <a:extLst>
+                    <a:ext uri="{9D8B030D-6E8A-4147-A177-3AD203B41FA5}">
+                      <a16:colId xmlns:a16="http://schemas.microsoft.com/office/drawing/2014/main" val="3850674632"/>
+                    </a:ext>
+                  </a:extLst>
+                </a:gridCol>
+                <a:gridCol w="1072097">
+                  <a:extLst>
+                    <a:ext uri="{9D8B030D-6E8A-4147-A177-3AD203B41FA5}">
+                      <a16:colId xmlns:a16="http://schemas.microsoft.com/office/drawing/2014/main" val="3306942541"/>
+                    </a:ext>
+                  </a:extLst>
+                </a:gridCol>
+                <a:gridCol w="1072097">
+                  <a:extLst>
+                    <a:ext uri="{9D8B030D-6E8A-4147-A177-3AD203B41FA5}">
+                      <a16:colId xmlns:a16="http://schemas.microsoft.com/office/drawing/2014/main" val="3517187588"/>
+                    </a:ext>
+                  </a:extLst>
+                </a:gridCol>
+                <a:gridCol w="1072097">
+                  <a:extLst>
+                    <a:ext uri="{9D8B030D-6E8A-4147-A177-3AD203B41FA5}">
+                      <a16:colId xmlns:a16="http://schemas.microsoft.com/office/drawing/2014/main" val="2248621"/>
+                    </a:ext>
+                  </a:extLst>
+                </a:gridCol>
+                <a:gridCol w="1072097">
+                  <a:extLst>
+                    <a:ext uri="{9D8B030D-6E8A-4147-A177-3AD203B41FA5}">
+                      <a16:colId xmlns:a16="http://schemas.microsoft.com/office/drawing/2014/main" val="2712044097"/>
+                    </a:ext>
+                  </a:extLst>
+                </a:gridCol>
+              </a:tblGrid>
+              <a:tr h="769572">
+                <a:tc>
+                  <a:txBody>
+                    <a:bodyPr/>
+                    <a:lstStyle/>
+                    <a:p>
+                      <a:pPr algn="r"/>
+                      <a:r>
+                        <a:rPr lang="en-US" b="0" dirty="0">
+                          <a:solidFill>
+                            <a:schemeClr val="tx1"/>
+                          </a:solidFill>
+                        </a:rPr>
+                        <a:t>PID</a:t>
+                      </a:r>
+                    </a:p>
+                  </a:txBody>
+                  <a:tcPr/>
+                </a:tc>
+                <a:tc>
+                  <a:txBody>
+                    <a:bodyPr/>
+                    <a:lstStyle/>
+                    <a:p>
+                      <a:pPr algn="r"/>
+                      <a:r>
+                        <a:rPr lang="en-US" altLang="zh-CN" b="0" dirty="0" err="1">
+                          <a:solidFill>
+                            <a:schemeClr val="tx1"/>
+                          </a:solidFill>
+                        </a:rPr>
+                        <a:t>Arriv</a:t>
+                      </a:r>
+                      <a:r>
+                        <a:rPr lang="en-US" altLang="zh-CN" b="0" dirty="0">
+                          <a:solidFill>
+                            <a:schemeClr val="tx1"/>
+                          </a:solidFill>
+                        </a:rPr>
+                        <a:t>.</a:t>
+                      </a:r>
+                      <a:r>
+                        <a:rPr lang="zh-CN" altLang="en-US" b="0" dirty="0">
+                          <a:solidFill>
+                            <a:schemeClr val="tx1"/>
+                          </a:solidFill>
+                        </a:rPr>
+                        <a:t> </a:t>
+                      </a:r>
+                      <a:r>
+                        <a:rPr lang="en-US" altLang="zh-CN" b="0" dirty="0">
+                          <a:solidFill>
+                            <a:schemeClr val="tx1"/>
+                          </a:solidFill>
+                        </a:rPr>
+                        <a:t>time</a:t>
+                      </a:r>
+                      <a:endParaRPr lang="en-US" b="0" dirty="0">
+                        <a:solidFill>
+                          <a:schemeClr val="tx1"/>
+                        </a:solidFill>
+                      </a:endParaRPr>
+                    </a:p>
+                  </a:txBody>
+                  <a:tcPr/>
+                </a:tc>
+                <a:tc>
+                  <a:txBody>
+                    <a:bodyPr/>
+                    <a:lstStyle/>
+                    <a:p>
+                      <a:pPr algn="r"/>
+                      <a:r>
+                        <a:rPr lang="en-GB" altLang="zh-CN" b="0" dirty="0">
+                          <a:solidFill>
+                            <a:schemeClr val="tx1"/>
+                          </a:solidFill>
+                        </a:rPr>
+                        <a:t>Priority</a:t>
+                      </a:r>
+                      <a:endParaRPr lang="en-US" b="0" dirty="0">
+                        <a:solidFill>
+                          <a:schemeClr val="tx1"/>
+                        </a:solidFill>
+                      </a:endParaRPr>
+                    </a:p>
+                  </a:txBody>
+                  <a:tcPr/>
+                </a:tc>
+                <a:tc>
+                  <a:txBody>
+                    <a:bodyPr/>
+                    <a:lstStyle/>
+                    <a:p>
+                      <a:pPr algn="r"/>
+                      <a:r>
+                        <a:rPr lang="en-GB" altLang="zh-CN" b="0" dirty="0">
+                          <a:solidFill>
+                            <a:schemeClr val="tx1"/>
+                          </a:solidFill>
+                        </a:rPr>
+                        <a:t>CPU Burst</a:t>
+                      </a:r>
+                      <a:endParaRPr lang="en-US" b="0" dirty="0">
+                        <a:solidFill>
+                          <a:schemeClr val="tx1"/>
+                        </a:solidFill>
+                      </a:endParaRPr>
+                    </a:p>
+                  </a:txBody>
+                  <a:tcPr marL="45720" marR="45720"/>
+                </a:tc>
+                <a:tc>
+                  <a:txBody>
+                    <a:bodyPr/>
+                    <a:lstStyle/>
+                    <a:p>
+                      <a:pPr marL="0" marR="0" lvl="0" indent="0" algn="r" defTabSz="914400" rtl="0" eaLnBrk="1" fontAlgn="auto" latinLnBrk="0" hangingPunct="1">
+                        <a:lnSpc>
+                          <a:spcPct val="100000"/>
+                        </a:lnSpc>
+                        <a:spcBef>
+                          <a:spcPts val="0"/>
+                        </a:spcBef>
+                        <a:spcAft>
+                          <a:spcPts val="0"/>
+                        </a:spcAft>
+                        <a:buClrTx/>
+                        <a:buSzTx/>
+                        <a:buFontTx/>
+                        <a:buNone/>
+                        <a:tabLst/>
+                        <a:defRPr/>
+                      </a:pPr>
+                      <a:r>
+                        <a:rPr lang="en-US" b="0" dirty="0">
+                          <a:solidFill>
+                            <a:schemeClr val="tx1"/>
+                          </a:solidFill>
+                        </a:rPr>
+                        <a:t>IO Burst</a:t>
+                      </a:r>
+                    </a:p>
+                  </a:txBody>
+                  <a:tcPr/>
+                </a:tc>
+                <a:tc>
+                  <a:txBody>
+                    <a:bodyPr/>
+                    <a:lstStyle/>
+                    <a:p>
+                      <a:pPr algn="r"/>
+                      <a:r>
+                        <a:rPr lang="en-GB" altLang="zh-CN" b="0" dirty="0">
+                          <a:solidFill>
+                            <a:schemeClr val="tx1"/>
+                          </a:solidFill>
+                        </a:rPr>
+                        <a:t>CPU Burst</a:t>
+                      </a:r>
+                      <a:endParaRPr lang="en-US" b="0" dirty="0">
+                        <a:solidFill>
+                          <a:schemeClr val="tx1"/>
+                        </a:solidFill>
+                      </a:endParaRPr>
+                    </a:p>
+                  </a:txBody>
+                  <a:tcPr marL="45720" marR="45720"/>
+                </a:tc>
+                <a:extLst>
+                  <a:ext uri="{0D108BD9-81ED-4DB2-BD59-A6C34878D82A}">
+                    <a16:rowId xmlns:a16="http://schemas.microsoft.com/office/drawing/2014/main" val="3141622018"/>
+                  </a:ext>
+                </a:extLst>
+              </a:tr>
+              <a:tr h="0">
+                <a:tc>
+                  <a:txBody>
+                    <a:bodyPr/>
+                    <a:lstStyle/>
+                    <a:p>
+                      <a:pPr algn="r"/>
+                      <a:r>
+                        <a:rPr lang="en-US" altLang="zh-CN" dirty="0">
+                          <a:solidFill>
+                            <a:schemeClr val="tx1"/>
+                          </a:solidFill>
+                        </a:rPr>
+                        <a:t>1</a:t>
+                      </a:r>
+                      <a:endParaRPr lang="en-US" dirty="0">
+                        <a:solidFill>
+                          <a:schemeClr val="tx1"/>
+                        </a:solidFill>
+                      </a:endParaRPr>
+                    </a:p>
+                  </a:txBody>
+                  <a:tcPr/>
+                </a:tc>
+                <a:tc>
+                  <a:txBody>
+                    <a:bodyPr/>
+                    <a:lstStyle/>
+                    <a:p>
+                      <a:pPr algn="r"/>
+                      <a:r>
+                        <a:rPr lang="en-US" altLang="zh-CN" dirty="0">
+                          <a:solidFill>
+                            <a:schemeClr val="tx1"/>
+                          </a:solidFill>
+                        </a:rPr>
+                        <a:t>0</a:t>
+                      </a:r>
+                      <a:endParaRPr lang="en-US" dirty="0">
+                        <a:solidFill>
+                          <a:schemeClr val="tx1"/>
+                        </a:solidFill>
+                      </a:endParaRPr>
+                    </a:p>
+                  </a:txBody>
+                  <a:tcPr/>
+                </a:tc>
+                <a:tc>
+                  <a:txBody>
+                    <a:bodyPr/>
+                    <a:lstStyle/>
+                    <a:p>
+                      <a:pPr algn="r"/>
+                      <a:r>
+                        <a:rPr lang="en-US" dirty="0">
+                          <a:solidFill>
+                            <a:schemeClr val="tx1"/>
+                          </a:solidFill>
+                        </a:rPr>
+                        <a:t>2</a:t>
+                      </a:r>
+                    </a:p>
+                  </a:txBody>
+                  <a:tcPr/>
+                </a:tc>
+                <a:tc>
+                  <a:txBody>
+                    <a:bodyPr/>
+                    <a:lstStyle/>
+                    <a:p>
+                      <a:pPr algn="r"/>
+                      <a:r>
+                        <a:rPr lang="en-US" altLang="zh-CN" strike="noStrike" dirty="0">
+                          <a:solidFill>
+                            <a:schemeClr val="tx1"/>
+                          </a:solidFill>
+                        </a:rPr>
+                        <a:t>1</a:t>
+                      </a:r>
+                      <a:endParaRPr lang="en-US" strike="noStrike" dirty="0">
+                        <a:solidFill>
+                          <a:schemeClr val="tx1"/>
+                        </a:solidFill>
+                      </a:endParaRPr>
+                    </a:p>
+                  </a:txBody>
+                  <a:tcPr/>
+                </a:tc>
+                <a:tc>
+                  <a:txBody>
+                    <a:bodyPr/>
+                    <a:lstStyle/>
+                    <a:p>
+                      <a:pPr algn="r"/>
+                      <a:r>
+                        <a:rPr lang="en-US" dirty="0">
+                          <a:solidFill>
+                            <a:schemeClr val="tx1"/>
+                          </a:solidFill>
+                        </a:rPr>
+                        <a:t>5</a:t>
+                      </a:r>
+                    </a:p>
+                  </a:txBody>
+                  <a:tcPr/>
+                </a:tc>
+                <a:tc>
+                  <a:txBody>
+                    <a:bodyPr/>
+                    <a:lstStyle/>
+                    <a:p>
+                      <a:pPr algn="r"/>
+                      <a:r>
+                        <a:rPr lang="en-US" altLang="zh-CN" strike="noStrike" dirty="0">
+                          <a:solidFill>
+                            <a:schemeClr val="tx1"/>
+                          </a:solidFill>
+                        </a:rPr>
+                        <a:t>3</a:t>
+                      </a:r>
+                      <a:endParaRPr lang="en-US" strike="noStrike" dirty="0">
+                        <a:solidFill>
+                          <a:schemeClr val="tx1"/>
+                        </a:solidFill>
+                      </a:endParaRPr>
+                    </a:p>
+                  </a:txBody>
+                  <a:tcPr/>
+                </a:tc>
+                <a:extLst>
+                  <a:ext uri="{0D108BD9-81ED-4DB2-BD59-A6C34878D82A}">
+                    <a16:rowId xmlns:a16="http://schemas.microsoft.com/office/drawing/2014/main" val="2311278232"/>
+                  </a:ext>
+                </a:extLst>
+              </a:tr>
+              <a:tr h="0">
+                <a:tc>
+                  <a:txBody>
+                    <a:bodyPr/>
+                    <a:lstStyle/>
+                    <a:p>
+                      <a:pPr marL="0" marR="0" lvl="0" indent="0" algn="r" defTabSz="914400" rtl="0" eaLnBrk="1" fontAlgn="auto" latinLnBrk="0" hangingPunct="1">
+                        <a:lnSpc>
+                          <a:spcPct val="100000"/>
+                        </a:lnSpc>
+                        <a:spcBef>
+                          <a:spcPts val="0"/>
+                        </a:spcBef>
+                        <a:spcAft>
+                          <a:spcPts val="0"/>
+                        </a:spcAft>
+                        <a:buClrTx/>
+                        <a:buSzTx/>
+                        <a:buFontTx/>
+                        <a:buNone/>
+                        <a:tabLst/>
+                        <a:defRPr/>
+                      </a:pPr>
+                      <a:r>
+                        <a:rPr lang="en-US" altLang="zh-CN" dirty="0">
+                          <a:solidFill>
+                            <a:schemeClr val="tx1"/>
+                          </a:solidFill>
+                        </a:rPr>
+                        <a:t>2</a:t>
+                      </a:r>
+                      <a:endParaRPr lang="en-US" dirty="0">
+                        <a:solidFill>
+                          <a:schemeClr val="tx1"/>
+                        </a:solidFill>
+                      </a:endParaRPr>
+                    </a:p>
+                  </a:txBody>
+                  <a:tcPr/>
+                </a:tc>
+                <a:tc>
+                  <a:txBody>
+                    <a:bodyPr/>
+                    <a:lstStyle/>
+                    <a:p>
+                      <a:pPr algn="r"/>
+                      <a:r>
+                        <a:rPr lang="en-US" altLang="zh-CN" baseline="0" dirty="0">
+                          <a:solidFill>
+                            <a:schemeClr val="tx1"/>
+                          </a:solidFill>
+                        </a:rPr>
+                        <a:t>2</a:t>
+                      </a:r>
+                      <a:endParaRPr lang="en-US" baseline="0" dirty="0">
+                        <a:solidFill>
+                          <a:schemeClr val="tx1"/>
+                        </a:solidFill>
+                      </a:endParaRPr>
+                    </a:p>
+                  </a:txBody>
+                  <a:tcPr/>
+                </a:tc>
+                <a:tc>
+                  <a:txBody>
+                    <a:bodyPr/>
+                    <a:lstStyle/>
+                    <a:p>
+                      <a:pPr algn="r"/>
+                      <a:r>
+                        <a:rPr lang="en-US" dirty="0">
+                          <a:solidFill>
+                            <a:schemeClr val="tx1"/>
+                          </a:solidFill>
+                        </a:rPr>
+                        <a:t>1</a:t>
+                      </a:r>
+                    </a:p>
+                  </a:txBody>
+                  <a:tcPr/>
+                </a:tc>
+                <a:tc>
+                  <a:txBody>
+                    <a:bodyPr/>
+                    <a:lstStyle/>
+                    <a:p>
+                      <a:pPr algn="r"/>
+                      <a:r>
+                        <a:rPr lang="en-US" altLang="zh-CN" dirty="0">
+                          <a:solidFill>
+                            <a:schemeClr val="tx1"/>
+                          </a:solidFill>
+                        </a:rPr>
+                        <a:t>3</a:t>
+                      </a:r>
+                      <a:endParaRPr lang="en-US" dirty="0">
+                        <a:solidFill>
+                          <a:schemeClr val="tx1"/>
+                        </a:solidFill>
+                      </a:endParaRPr>
+                    </a:p>
+                  </a:txBody>
+                  <a:tcPr/>
+                </a:tc>
+                <a:tc>
+                  <a:txBody>
+                    <a:bodyPr/>
+                    <a:lstStyle/>
+                    <a:p>
+                      <a:pPr algn="r"/>
+                      <a:r>
+                        <a:rPr lang="en-US" dirty="0">
+                          <a:solidFill>
+                            <a:schemeClr val="tx1"/>
+                          </a:solidFill>
+                        </a:rPr>
+                        <a:t>3</a:t>
+                      </a:r>
+                    </a:p>
+                  </a:txBody>
+                  <a:tcPr/>
+                </a:tc>
+                <a:tc>
+                  <a:txBody>
+                    <a:bodyPr/>
+                    <a:lstStyle/>
+                    <a:p>
+                      <a:pPr algn="r"/>
+                      <a:r>
+                        <a:rPr lang="en-US" altLang="zh-CN" dirty="0">
+                          <a:solidFill>
+                            <a:schemeClr val="tx1"/>
+                          </a:solidFill>
+                        </a:rPr>
+                        <a:t>1</a:t>
+                      </a:r>
+                      <a:endParaRPr lang="en-US" dirty="0">
+                        <a:solidFill>
+                          <a:schemeClr val="tx1"/>
+                        </a:solidFill>
+                      </a:endParaRPr>
+                    </a:p>
+                  </a:txBody>
+                  <a:tcPr/>
+                </a:tc>
+                <a:extLst>
+                  <a:ext uri="{0D108BD9-81ED-4DB2-BD59-A6C34878D82A}">
+                    <a16:rowId xmlns:a16="http://schemas.microsoft.com/office/drawing/2014/main" val="1749603488"/>
+                  </a:ext>
+                </a:extLst>
+              </a:tr>
+              <a:tr h="0">
+                <a:tc>
+                  <a:txBody>
+                    <a:bodyPr/>
+                    <a:lstStyle/>
+                    <a:p>
+                      <a:pPr marL="0" marR="0" lvl="0" indent="0" algn="r" defTabSz="914400" rtl="0" eaLnBrk="1" fontAlgn="auto" latinLnBrk="0" hangingPunct="1">
+                        <a:lnSpc>
+                          <a:spcPct val="100000"/>
+                        </a:lnSpc>
+                        <a:spcBef>
+                          <a:spcPts val="0"/>
+                        </a:spcBef>
+                        <a:spcAft>
+                          <a:spcPts val="0"/>
+                        </a:spcAft>
+                        <a:buClrTx/>
+                        <a:buSzTx/>
+                        <a:buFontTx/>
+                        <a:buNone/>
+                        <a:tabLst/>
+                        <a:defRPr/>
+                      </a:pPr>
+                      <a:r>
+                        <a:rPr lang="en-US" altLang="zh-CN" dirty="0">
+                          <a:solidFill>
+                            <a:schemeClr val="tx1"/>
+                          </a:solidFill>
+                        </a:rPr>
+                        <a:t>3</a:t>
+                      </a:r>
+                      <a:endParaRPr lang="en-US" dirty="0">
+                        <a:solidFill>
+                          <a:schemeClr val="tx1"/>
+                        </a:solidFill>
+                      </a:endParaRPr>
+                    </a:p>
+                  </a:txBody>
+                  <a:tcPr/>
+                </a:tc>
+                <a:tc>
+                  <a:txBody>
+                    <a:bodyPr/>
+                    <a:lstStyle/>
+                    <a:p>
+                      <a:pPr algn="r"/>
+                      <a:r>
+                        <a:rPr lang="en-US" altLang="zh-CN" dirty="0">
+                          <a:solidFill>
+                            <a:schemeClr val="tx1"/>
+                          </a:solidFill>
+                        </a:rPr>
+                        <a:t>3</a:t>
+                      </a:r>
+                      <a:endParaRPr lang="en-US" baseline="30000" dirty="0">
+                        <a:solidFill>
+                          <a:schemeClr val="tx1"/>
+                        </a:solidFill>
+                      </a:endParaRPr>
+                    </a:p>
+                  </a:txBody>
+                  <a:tcPr/>
+                </a:tc>
+                <a:tc>
+                  <a:txBody>
+                    <a:bodyPr/>
+                    <a:lstStyle/>
+                    <a:p>
+                      <a:pPr algn="r"/>
+                      <a:r>
+                        <a:rPr lang="en-US" dirty="0">
+                          <a:solidFill>
+                            <a:schemeClr val="tx1"/>
+                          </a:solidFill>
+                        </a:rPr>
+                        <a:t>3</a:t>
+                      </a:r>
+                    </a:p>
+                  </a:txBody>
+                  <a:tcPr/>
+                </a:tc>
+                <a:tc>
+                  <a:txBody>
+                    <a:bodyPr/>
+                    <a:lstStyle/>
+                    <a:p>
+                      <a:pPr algn="r"/>
+                      <a:r>
+                        <a:rPr lang="en-US" altLang="zh-CN" dirty="0">
+                          <a:solidFill>
+                            <a:schemeClr val="tx1"/>
+                          </a:solidFill>
+                        </a:rPr>
+                        <a:t>2</a:t>
+                      </a:r>
+                      <a:endParaRPr lang="en-US" dirty="0">
+                        <a:solidFill>
+                          <a:schemeClr val="tx1"/>
+                        </a:solidFill>
+                      </a:endParaRPr>
+                    </a:p>
+                  </a:txBody>
+                  <a:tcPr/>
+                </a:tc>
+                <a:tc>
+                  <a:txBody>
+                    <a:bodyPr/>
+                    <a:lstStyle/>
+                    <a:p>
+                      <a:pPr algn="r"/>
+                      <a:r>
+                        <a:rPr lang="en-US" dirty="0">
+                          <a:solidFill>
+                            <a:schemeClr val="tx1"/>
+                          </a:solidFill>
+                        </a:rPr>
+                        <a:t>3</a:t>
+                      </a:r>
+                    </a:p>
+                  </a:txBody>
+                  <a:tcPr/>
+                </a:tc>
+                <a:tc>
+                  <a:txBody>
+                    <a:bodyPr/>
+                    <a:lstStyle/>
+                    <a:p>
+                      <a:pPr algn="r"/>
+                      <a:r>
+                        <a:rPr lang="en-US" altLang="zh-CN" dirty="0">
+                          <a:solidFill>
+                            <a:schemeClr val="tx1"/>
+                          </a:solidFill>
+                        </a:rPr>
+                        <a:t>1</a:t>
+                      </a:r>
+                      <a:endParaRPr lang="en-US" dirty="0">
+                        <a:solidFill>
+                          <a:schemeClr val="tx1"/>
+                        </a:solidFill>
+                      </a:endParaRPr>
+                    </a:p>
+                  </a:txBody>
+                  <a:tcPr/>
+                </a:tc>
+                <a:extLst>
+                  <a:ext uri="{0D108BD9-81ED-4DB2-BD59-A6C34878D82A}">
+                    <a16:rowId xmlns:a16="http://schemas.microsoft.com/office/drawing/2014/main" val="1233945708"/>
+                  </a:ext>
+                </a:extLst>
+              </a:tr>
+              <a:tr h="0">
+                <a:tc>
+                  <a:txBody>
+                    <a:bodyPr/>
+                    <a:lstStyle/>
+                    <a:p>
+                      <a:pPr algn="r"/>
+                      <a:endParaRPr lang="en-US" dirty="0">
+                        <a:solidFill>
+                          <a:schemeClr val="tx1"/>
+                        </a:solidFill>
+                      </a:endParaRPr>
+                    </a:p>
+                  </a:txBody>
+                  <a:tcPr/>
+                </a:tc>
+                <a:tc>
+                  <a:txBody>
+                    <a:bodyPr/>
+                    <a:lstStyle/>
+                    <a:p>
+                      <a:pPr algn="r"/>
+                      <a:endParaRPr lang="en-US" dirty="0">
+                        <a:solidFill>
+                          <a:schemeClr val="tx1"/>
+                        </a:solidFill>
+                      </a:endParaRPr>
+                    </a:p>
+                  </a:txBody>
+                  <a:tcPr/>
+                </a:tc>
+                <a:tc>
+                  <a:txBody>
+                    <a:bodyPr/>
+                    <a:lstStyle/>
+                    <a:p>
+                      <a:pPr algn="r"/>
+                      <a:endParaRPr lang="en-US" dirty="0">
+                        <a:solidFill>
+                          <a:schemeClr val="tx1"/>
+                        </a:solidFill>
+                      </a:endParaRPr>
+                    </a:p>
+                  </a:txBody>
+                  <a:tcPr/>
+                </a:tc>
+                <a:tc>
+                  <a:txBody>
+                    <a:bodyPr/>
+                    <a:lstStyle/>
+                    <a:p>
+                      <a:pPr algn="r"/>
+                      <a:r>
+                        <a:rPr lang="en-US" dirty="0">
+                          <a:solidFill>
+                            <a:schemeClr val="tx1"/>
+                          </a:solidFill>
+                        </a:rPr>
+                        <a:t>Avg RT</a:t>
+                      </a:r>
+                    </a:p>
+                  </a:txBody>
+                  <a:tcPr/>
+                </a:tc>
+                <a:tc>
+                  <a:txBody>
+                    <a:bodyPr/>
+                    <a:lstStyle/>
+                    <a:p>
+                      <a:pPr algn="r"/>
+                      <a:endParaRPr lang="en-US" dirty="0">
+                        <a:solidFill>
+                          <a:schemeClr val="tx1"/>
+                        </a:solidFill>
+                      </a:endParaRPr>
+                    </a:p>
+                  </a:txBody>
+                  <a:tcPr/>
+                </a:tc>
+                <a:tc>
+                  <a:txBody>
+                    <a:bodyPr/>
+                    <a:lstStyle/>
+                    <a:p>
+                      <a:pPr algn="r"/>
+                      <a:r>
+                        <a:rPr lang="en-US" dirty="0">
+                          <a:solidFill>
+                            <a:schemeClr val="tx1"/>
+                          </a:solidFill>
+                        </a:rPr>
+                        <a:t>Avg RT</a:t>
+                      </a:r>
+                    </a:p>
+                  </a:txBody>
+                  <a:tcPr/>
+                </a:tc>
+                <a:extLst>
+                  <a:ext uri="{0D108BD9-81ED-4DB2-BD59-A6C34878D82A}">
+                    <a16:rowId xmlns:a16="http://schemas.microsoft.com/office/drawing/2014/main" val="2879113726"/>
+                  </a:ext>
+                </a:extLst>
+              </a:tr>
+            </a:tbl>
+          </a:graphicData>
+        </a:graphic>
+      </p:graphicFrame>
+    </p:spTree>
+    <p:extLst>
+      <p:ext uri="{BB962C8B-B14F-4D97-AF65-F5344CB8AC3E}">
+        <p14:creationId xmlns:p14="http://schemas.microsoft.com/office/powerpoint/2010/main" val="3399895290"/>
+      </p:ext>
+    </p:extLst>
+  </p:cSld>
+  <p:clrMapOvr>
+    <a:masterClrMapping/>
+  </p:clrMapOvr>
+  <p:transition/>
 </p:sld>
 </file>
 
@@ -9777,7 +12566,7 @@
         <a:effectLst/>
         <a:extLst>
           <a:ext uri="{AF507438-7753-43e0-B8FC-AC1667EBCBE1}">
-            <a14:hiddenEffects xmlns:a14="http://schemas.microsoft.com/office/drawing/2010/main" xmlns="">
+            <a14:hiddenEffects xmlns="" xmlns:a14="http://schemas.microsoft.com/office/drawing/2010/main">
               <a:effectLst>
                 <a:outerShdw dist="35921" dir="2700000" algn="ctr" rotWithShape="0">
                   <a:schemeClr val="bg2"/>
@@ -9850,7 +12639,7 @@
         <a:effectLst/>
         <a:extLst>
           <a:ext uri="{AF507438-7753-43e0-B8FC-AC1667EBCBE1}">
-            <a14:hiddenEffects xmlns:a14="http://schemas.microsoft.com/office/drawing/2010/main" xmlns="">
+            <a14:hiddenEffects xmlns="" xmlns:a14="http://schemas.microsoft.com/office/drawing/2010/main">
               <a:effectLst>
                 <a:outerShdw dist="35921" dir="2700000" algn="ctr" rotWithShape="0">
                   <a:schemeClr val="bg2"/>
